--- a/Docs/Solvelt.pptx
+++ b/Docs/Solvelt.pptx
@@ -7,14 +7,19 @@
   <p:sldIdLst>
     <p:sldId id="256" r:id="rId2"/>
     <p:sldId id="261" r:id="rId3"/>
-    <p:sldId id="257" r:id="rId4"/>
-    <p:sldId id="258" r:id="rId5"/>
-    <p:sldId id="259" r:id="rId6"/>
-    <p:sldId id="260" r:id="rId7"/>
-    <p:sldId id="262" r:id="rId8"/>
-    <p:sldId id="263" r:id="rId9"/>
-    <p:sldId id="265" r:id="rId10"/>
-    <p:sldId id="266" r:id="rId11"/>
+    <p:sldId id="271" r:id="rId4"/>
+    <p:sldId id="270" r:id="rId5"/>
+    <p:sldId id="269" r:id="rId6"/>
+    <p:sldId id="257" r:id="rId7"/>
+    <p:sldId id="258" r:id="rId8"/>
+    <p:sldId id="259" r:id="rId9"/>
+    <p:sldId id="260" r:id="rId10"/>
+    <p:sldId id="262" r:id="rId11"/>
+    <p:sldId id="263" r:id="rId12"/>
+    <p:sldId id="265" r:id="rId13"/>
+    <p:sldId id="266" r:id="rId14"/>
+    <p:sldId id="267" r:id="rId15"/>
+    <p:sldId id="268" r:id="rId16"/>
   </p:sldIdLst>
   <p:sldSz cx="12192000" cy="6858000"/>
   <p:notesSz cx="6858000" cy="9144000"/>
@@ -113,6 +118,11 @@
       </a:defRPr>
     </a:lvl9pPr>
   </p:defaultTextStyle>
+  <p:extLst>
+    <p:ext uri="{EFAFB233-063F-42B5-8137-9DF3F51BA10A}">
+      <p15:sldGuideLst xmlns:p15="http://schemas.microsoft.com/office/powerpoint/2012/main"/>
+    </p:ext>
+  </p:extLst>
 </p:presentation>
 </file>
 
@@ -166,7 +176,7 @@
           <a:noFill/>
           <a:extLst>
             <a:ext uri="{909E8E84-426E-40dd-AFC4-6F175D3DCCD1}">
-              <a14:hiddenFill xmlns:a14="http://schemas.microsoft.com/office/drawing/2010/main" xmlns="">
+              <a14:hiddenFill xmlns="" xmlns:a14="http://schemas.microsoft.com/office/drawing/2010/main">
                 <a:solidFill>
                   <a:srgbClr val="FFFFFF"/>
                 </a:solidFill>
@@ -226,7 +236,7 @@
             </a:ln>
             <a:extLst>
               <a:ext uri="{91240B29-F687-4f45-9708-019B960494DF}">
-                <a14:hiddenLine xmlns:a14="http://schemas.microsoft.com/office/drawing/2010/main" xmlns="" w="9525">
+                <a14:hiddenLine xmlns="" xmlns:a14="http://schemas.microsoft.com/office/drawing/2010/main" w="9525">
                   <a:solidFill>
                     <a:srgbClr val="000000"/>
                   </a:solidFill>
@@ -316,7 +326,7 @@
             </a:ln>
             <a:extLst>
               <a:ext uri="{91240B29-F687-4f45-9708-019B960494DF}">
-                <a14:hiddenLine xmlns:a14="http://schemas.microsoft.com/office/drawing/2010/main" xmlns="" w="9525">
+                <a14:hiddenLine xmlns="" xmlns:a14="http://schemas.microsoft.com/office/drawing/2010/main" w="9525">
                   <a:solidFill>
                     <a:srgbClr val="000000"/>
                   </a:solidFill>
@@ -406,7 +416,7 @@
             </a:ln>
             <a:extLst>
               <a:ext uri="{91240B29-F687-4f45-9708-019B960494DF}">
-                <a14:hiddenLine xmlns:a14="http://schemas.microsoft.com/office/drawing/2010/main" xmlns="" w="9525">
+                <a14:hiddenLine xmlns="" xmlns:a14="http://schemas.microsoft.com/office/drawing/2010/main" w="9525">
                   <a:solidFill>
                     <a:srgbClr val="000000"/>
                   </a:solidFill>
@@ -440,7 +450,7 @@
             </a:ln>
             <a:extLst>
               <a:ext uri="{91240B29-F687-4f45-9708-019B960494DF}">
-                <a14:hiddenLine xmlns:a14="http://schemas.microsoft.com/office/drawing/2010/main" xmlns="" w="9525">
+                <a14:hiddenLine xmlns="" xmlns:a14="http://schemas.microsoft.com/office/drawing/2010/main" w="9525">
                   <a:solidFill>
                     <a:srgbClr val="000000"/>
                   </a:solidFill>
@@ -530,7 +540,7 @@
             </a:ln>
             <a:extLst>
               <a:ext uri="{91240B29-F687-4f45-9708-019B960494DF}">
-                <a14:hiddenLine xmlns:a14="http://schemas.microsoft.com/office/drawing/2010/main" xmlns="" w="9525">
+                <a14:hiddenLine xmlns="" xmlns:a14="http://schemas.microsoft.com/office/drawing/2010/main" w="9525">
                   <a:solidFill>
                     <a:srgbClr val="000000"/>
                   </a:solidFill>
@@ -592,7 +602,7 @@
             </a:ln>
             <a:extLst>
               <a:ext uri="{91240B29-F687-4f45-9708-019B960494DF}">
-                <a14:hiddenLine xmlns:a14="http://schemas.microsoft.com/office/drawing/2010/main" xmlns="" w="9525">
+                <a14:hiddenLine xmlns="" xmlns:a14="http://schemas.microsoft.com/office/drawing/2010/main" w="9525">
                   <a:solidFill>
                     <a:srgbClr val="000000"/>
                   </a:solidFill>
@@ -654,7 +664,7 @@
             </a:ln>
             <a:extLst>
               <a:ext uri="{91240B29-F687-4f45-9708-019B960494DF}">
-                <a14:hiddenLine xmlns:a14="http://schemas.microsoft.com/office/drawing/2010/main" xmlns="" w="9525">
+                <a14:hiddenLine xmlns="" xmlns:a14="http://schemas.microsoft.com/office/drawing/2010/main" w="9525">
                   <a:solidFill>
                     <a:srgbClr val="000000"/>
                   </a:solidFill>
@@ -744,7 +754,7 @@
             </a:ln>
             <a:extLst>
               <a:ext uri="{91240B29-F687-4f45-9708-019B960494DF}">
-                <a14:hiddenLine xmlns:a14="http://schemas.microsoft.com/office/drawing/2010/main" xmlns="" w="9525">
+                <a14:hiddenLine xmlns="" xmlns:a14="http://schemas.microsoft.com/office/drawing/2010/main" w="9525">
                   <a:solidFill>
                     <a:srgbClr val="000000"/>
                   </a:solidFill>
@@ -806,7 +816,7 @@
             </a:ln>
             <a:extLst>
               <a:ext uri="{91240B29-F687-4f45-9708-019B960494DF}">
-                <a14:hiddenLine xmlns:a14="http://schemas.microsoft.com/office/drawing/2010/main" xmlns="" w="9525">
+                <a14:hiddenLine xmlns="" xmlns:a14="http://schemas.microsoft.com/office/drawing/2010/main" w="9525">
                   <a:solidFill>
                     <a:srgbClr val="000000"/>
                   </a:solidFill>
@@ -868,7 +878,7 @@
             </a:ln>
             <a:extLst>
               <a:ext uri="{91240B29-F687-4f45-9708-019B960494DF}">
-                <a14:hiddenLine xmlns:a14="http://schemas.microsoft.com/office/drawing/2010/main" xmlns="" w="9525">
+                <a14:hiddenLine xmlns="" xmlns:a14="http://schemas.microsoft.com/office/drawing/2010/main" w="9525">
                   <a:solidFill>
                     <a:srgbClr val="000000"/>
                   </a:solidFill>
@@ -958,7 +968,7 @@
             </a:ln>
             <a:extLst>
               <a:ext uri="{91240B29-F687-4f45-9708-019B960494DF}">
-                <a14:hiddenLine xmlns:a14="http://schemas.microsoft.com/office/drawing/2010/main" xmlns="" w="9525">
+                <a14:hiddenLine xmlns="" xmlns:a14="http://schemas.microsoft.com/office/drawing/2010/main" w="9525">
                   <a:solidFill>
                     <a:srgbClr val="000000"/>
                   </a:solidFill>
@@ -1048,7 +1058,7 @@
             </a:ln>
             <a:extLst>
               <a:ext uri="{91240B29-F687-4f45-9708-019B960494DF}">
-                <a14:hiddenLine xmlns:a14="http://schemas.microsoft.com/office/drawing/2010/main" xmlns="" w="9525">
+                <a14:hiddenLine xmlns="" xmlns:a14="http://schemas.microsoft.com/office/drawing/2010/main" w="9525">
                   <a:solidFill>
                     <a:srgbClr val="000000"/>
                   </a:solidFill>
@@ -1110,7 +1120,7 @@
             </a:ln>
             <a:extLst>
               <a:ext uri="{91240B29-F687-4f45-9708-019B960494DF}">
-                <a14:hiddenLine xmlns:a14="http://schemas.microsoft.com/office/drawing/2010/main" xmlns="" w="9525">
+                <a14:hiddenLine xmlns="" xmlns:a14="http://schemas.microsoft.com/office/drawing/2010/main" w="9525">
                   <a:solidFill>
                     <a:srgbClr val="000000"/>
                   </a:solidFill>
@@ -1220,7 +1230,7 @@
             </a:ln>
             <a:extLst>
               <a:ext uri="{91240B29-F687-4f45-9708-019B960494DF}">
-                <a14:hiddenLine xmlns:a14="http://schemas.microsoft.com/office/drawing/2010/main" xmlns="" w="9525">
+                <a14:hiddenLine xmlns="" xmlns:a14="http://schemas.microsoft.com/office/drawing/2010/main" w="9525">
                   <a:solidFill>
                     <a:srgbClr val="000000"/>
                   </a:solidFill>
@@ -1282,7 +1292,7 @@
             </a:ln>
             <a:extLst>
               <a:ext uri="{91240B29-F687-4f45-9708-019B960494DF}">
-                <a14:hiddenLine xmlns:a14="http://schemas.microsoft.com/office/drawing/2010/main" xmlns="" w="9525">
+                <a14:hiddenLine xmlns="" xmlns:a14="http://schemas.microsoft.com/office/drawing/2010/main" w="9525">
                   <a:solidFill>
                     <a:srgbClr val="000000"/>
                   </a:solidFill>
@@ -1372,7 +1382,7 @@
             </a:ln>
             <a:extLst>
               <a:ext uri="{91240B29-F687-4f45-9708-019B960494DF}">
-                <a14:hiddenLine xmlns:a14="http://schemas.microsoft.com/office/drawing/2010/main" xmlns="" w="9525">
+                <a14:hiddenLine xmlns="" xmlns:a14="http://schemas.microsoft.com/office/drawing/2010/main" w="9525">
                   <a:solidFill>
                     <a:srgbClr val="000000"/>
                   </a:solidFill>
@@ -1462,7 +1472,7 @@
             </a:ln>
             <a:extLst>
               <a:ext uri="{91240B29-F687-4f45-9708-019B960494DF}">
-                <a14:hiddenLine xmlns:a14="http://schemas.microsoft.com/office/drawing/2010/main" xmlns="" w="9525">
+                <a14:hiddenLine xmlns="" xmlns:a14="http://schemas.microsoft.com/office/drawing/2010/main" w="9525">
                   <a:solidFill>
                     <a:srgbClr val="000000"/>
                   </a:solidFill>
@@ -1524,7 +1534,7 @@
             </a:ln>
             <a:extLst>
               <a:ext uri="{91240B29-F687-4f45-9708-019B960494DF}">
-                <a14:hiddenLine xmlns:a14="http://schemas.microsoft.com/office/drawing/2010/main" xmlns="" w="9525">
+                <a14:hiddenLine xmlns="" xmlns:a14="http://schemas.microsoft.com/office/drawing/2010/main" w="9525">
                   <a:solidFill>
                     <a:srgbClr val="000000"/>
                   </a:solidFill>
@@ -1614,7 +1624,7 @@
             </a:ln>
             <a:extLst>
               <a:ext uri="{91240B29-F687-4f45-9708-019B960494DF}">
-                <a14:hiddenLine xmlns:a14="http://schemas.microsoft.com/office/drawing/2010/main" xmlns="" w="9525">
+                <a14:hiddenLine xmlns="" xmlns:a14="http://schemas.microsoft.com/office/drawing/2010/main" w="9525">
                   <a:solidFill>
                     <a:srgbClr val="000000"/>
                   </a:solidFill>
@@ -1704,7 +1714,7 @@
             </a:ln>
             <a:extLst>
               <a:ext uri="{91240B29-F687-4f45-9708-019B960494DF}">
-                <a14:hiddenLine xmlns:a14="http://schemas.microsoft.com/office/drawing/2010/main" xmlns="" w="9525">
+                <a14:hiddenLine xmlns="" xmlns:a14="http://schemas.microsoft.com/office/drawing/2010/main" w="9525">
                   <a:solidFill>
                     <a:srgbClr val="000000"/>
                   </a:solidFill>
@@ -1760,7 +1770,7 @@
             </a:ln>
             <a:extLst>
               <a:ext uri="{91240B29-F687-4f45-9708-019B960494DF}">
-                <a14:hiddenLine xmlns:a14="http://schemas.microsoft.com/office/drawing/2010/main" xmlns="" w="9525">
+                <a14:hiddenLine xmlns="" xmlns:a14="http://schemas.microsoft.com/office/drawing/2010/main" w="9525">
                   <a:solidFill>
                     <a:srgbClr val="000000"/>
                   </a:solidFill>
@@ -1850,7 +1860,7 @@
             </a:ln>
             <a:extLst>
               <a:ext uri="{91240B29-F687-4f45-9708-019B960494DF}">
-                <a14:hiddenLine xmlns:a14="http://schemas.microsoft.com/office/drawing/2010/main" xmlns="" w="9525">
+                <a14:hiddenLine xmlns="" xmlns:a14="http://schemas.microsoft.com/office/drawing/2010/main" w="9525">
                   <a:solidFill>
                     <a:srgbClr val="000000"/>
                   </a:solidFill>
@@ -1906,7 +1916,7 @@
             </a:ln>
             <a:extLst>
               <a:ext uri="{91240B29-F687-4f45-9708-019B960494DF}">
-                <a14:hiddenLine xmlns:a14="http://schemas.microsoft.com/office/drawing/2010/main" xmlns="" w="9525">
+                <a14:hiddenLine xmlns="" xmlns:a14="http://schemas.microsoft.com/office/drawing/2010/main" w="9525">
                   <a:solidFill>
                     <a:srgbClr val="000000"/>
                   </a:solidFill>
@@ -1996,7 +2006,7 @@
             </a:ln>
             <a:extLst>
               <a:ext uri="{91240B29-F687-4f45-9708-019B960494DF}">
-                <a14:hiddenLine xmlns:a14="http://schemas.microsoft.com/office/drawing/2010/main" xmlns="" w="9525">
+                <a14:hiddenLine xmlns="" xmlns:a14="http://schemas.microsoft.com/office/drawing/2010/main" w="9525">
                   <a:solidFill>
                     <a:srgbClr val="000000"/>
                   </a:solidFill>
@@ -2064,7 +2074,7 @@
             </a:ln>
             <a:extLst>
               <a:ext uri="{91240B29-F687-4f45-9708-019B960494DF}">
-                <a14:hiddenLine xmlns:a14="http://schemas.microsoft.com/office/drawing/2010/main" xmlns="" w="9525">
+                <a14:hiddenLine xmlns="" xmlns:a14="http://schemas.microsoft.com/office/drawing/2010/main" w="9525">
                   <a:solidFill>
                     <a:srgbClr val="000000"/>
                   </a:solidFill>
@@ -2154,7 +2164,7 @@
             </a:ln>
             <a:extLst>
               <a:ext uri="{91240B29-F687-4f45-9708-019B960494DF}">
-                <a14:hiddenLine xmlns:a14="http://schemas.microsoft.com/office/drawing/2010/main" xmlns="" w="9525">
+                <a14:hiddenLine xmlns="" xmlns:a14="http://schemas.microsoft.com/office/drawing/2010/main" w="9525">
                   <a:solidFill>
                     <a:srgbClr val="000000"/>
                   </a:solidFill>
@@ -2222,7 +2232,7 @@
             </a:ln>
             <a:extLst>
               <a:ext uri="{91240B29-F687-4f45-9708-019B960494DF}">
-                <a14:hiddenLine xmlns:a14="http://schemas.microsoft.com/office/drawing/2010/main" xmlns="" w="9525">
+                <a14:hiddenLine xmlns="" xmlns:a14="http://schemas.microsoft.com/office/drawing/2010/main" w="9525">
                   <a:solidFill>
                     <a:srgbClr val="000000"/>
                   </a:solidFill>
@@ -2312,7 +2322,7 @@
             </a:ln>
             <a:extLst>
               <a:ext uri="{91240B29-F687-4f45-9708-019B960494DF}">
-                <a14:hiddenLine xmlns:a14="http://schemas.microsoft.com/office/drawing/2010/main" xmlns="" w="9525">
+                <a14:hiddenLine xmlns="" xmlns:a14="http://schemas.microsoft.com/office/drawing/2010/main" w="9525">
                   <a:solidFill>
                     <a:srgbClr val="000000"/>
                   </a:solidFill>
@@ -2346,7 +2356,7 @@
             </a:ln>
             <a:extLst>
               <a:ext uri="{91240B29-F687-4f45-9708-019B960494DF}">
-                <a14:hiddenLine xmlns:a14="http://schemas.microsoft.com/office/drawing/2010/main" xmlns="" w="9525">
+                <a14:hiddenLine xmlns="" xmlns:a14="http://schemas.microsoft.com/office/drawing/2010/main" w="9525">
                   <a:solidFill>
                     <a:srgbClr val="000000"/>
                   </a:solidFill>
@@ -2436,7 +2446,7 @@
             </a:ln>
             <a:extLst>
               <a:ext uri="{91240B29-F687-4f45-9708-019B960494DF}">
-                <a14:hiddenLine xmlns:a14="http://schemas.microsoft.com/office/drawing/2010/main" xmlns="" w="9525">
+                <a14:hiddenLine xmlns="" xmlns:a14="http://schemas.microsoft.com/office/drawing/2010/main" w="9525">
                   <a:solidFill>
                     <a:srgbClr val="000000"/>
                   </a:solidFill>
@@ -2498,7 +2508,7 @@
             </a:ln>
             <a:extLst>
               <a:ext uri="{91240B29-F687-4f45-9708-019B960494DF}">
-                <a14:hiddenLine xmlns:a14="http://schemas.microsoft.com/office/drawing/2010/main" xmlns="" w="9525">
+                <a14:hiddenLine xmlns="" xmlns:a14="http://schemas.microsoft.com/office/drawing/2010/main" w="9525">
                   <a:solidFill>
                     <a:srgbClr val="000000"/>
                   </a:solidFill>
@@ -2560,7 +2570,7 @@
             </a:ln>
             <a:extLst>
               <a:ext uri="{91240B29-F687-4f45-9708-019B960494DF}">
-                <a14:hiddenLine xmlns:a14="http://schemas.microsoft.com/office/drawing/2010/main" xmlns="" w="9525">
+                <a14:hiddenLine xmlns="" xmlns:a14="http://schemas.microsoft.com/office/drawing/2010/main" w="9525">
                   <a:solidFill>
                     <a:srgbClr val="000000"/>
                   </a:solidFill>
@@ -2650,7 +2660,7 @@
             </a:ln>
             <a:extLst>
               <a:ext uri="{91240B29-F687-4f45-9708-019B960494DF}">
-                <a14:hiddenLine xmlns:a14="http://schemas.microsoft.com/office/drawing/2010/main" xmlns="" w="9525">
+                <a14:hiddenLine xmlns="" xmlns:a14="http://schemas.microsoft.com/office/drawing/2010/main" w="9525">
                   <a:solidFill>
                     <a:srgbClr val="000000"/>
                   </a:solidFill>
@@ -2718,7 +2728,7 @@
             </a:ln>
             <a:extLst>
               <a:ext uri="{91240B29-F687-4f45-9708-019B960494DF}">
-                <a14:hiddenLine xmlns:a14="http://schemas.microsoft.com/office/drawing/2010/main" xmlns="" w="9525">
+                <a14:hiddenLine xmlns="" xmlns:a14="http://schemas.microsoft.com/office/drawing/2010/main" w="9525">
                   <a:solidFill>
                     <a:srgbClr val="000000"/>
                   </a:solidFill>
@@ -2780,7 +2790,7 @@
             </a:ln>
             <a:extLst>
               <a:ext uri="{91240B29-F687-4f45-9708-019B960494DF}">
-                <a14:hiddenLine xmlns:a14="http://schemas.microsoft.com/office/drawing/2010/main" xmlns="" w="9525">
+                <a14:hiddenLine xmlns="" xmlns:a14="http://schemas.microsoft.com/office/drawing/2010/main" w="9525">
                   <a:solidFill>
                     <a:srgbClr val="000000"/>
                   </a:solidFill>
@@ -2870,7 +2880,7 @@
             </a:ln>
             <a:extLst>
               <a:ext uri="{91240B29-F687-4f45-9708-019B960494DF}">
-                <a14:hiddenLine xmlns:a14="http://schemas.microsoft.com/office/drawing/2010/main" xmlns="" w="9525">
+                <a14:hiddenLine xmlns="" xmlns:a14="http://schemas.microsoft.com/office/drawing/2010/main" w="9525">
                   <a:solidFill>
                     <a:srgbClr val="000000"/>
                   </a:solidFill>
@@ -2932,7 +2942,7 @@
             </a:ln>
             <a:extLst>
               <a:ext uri="{91240B29-F687-4f45-9708-019B960494DF}">
-                <a14:hiddenLine xmlns:a14="http://schemas.microsoft.com/office/drawing/2010/main" xmlns="" w="9525">
+                <a14:hiddenLine xmlns="" xmlns:a14="http://schemas.microsoft.com/office/drawing/2010/main" w="9525">
                   <a:solidFill>
                     <a:srgbClr val="000000"/>
                   </a:solidFill>
@@ -3022,7 +3032,7 @@
             </a:ln>
             <a:extLst>
               <a:ext uri="{91240B29-F687-4f45-9708-019B960494DF}">
-                <a14:hiddenLine xmlns:a14="http://schemas.microsoft.com/office/drawing/2010/main" xmlns="" w="9525">
+                <a14:hiddenLine xmlns="" xmlns:a14="http://schemas.microsoft.com/office/drawing/2010/main" w="9525">
                   <a:solidFill>
                     <a:srgbClr val="000000"/>
                   </a:solidFill>
@@ -3084,7 +3094,7 @@
             </a:ln>
             <a:extLst>
               <a:ext uri="{91240B29-F687-4f45-9708-019B960494DF}">
-                <a14:hiddenLine xmlns:a14="http://schemas.microsoft.com/office/drawing/2010/main" xmlns="" w="9525">
+                <a14:hiddenLine xmlns="" xmlns:a14="http://schemas.microsoft.com/office/drawing/2010/main" w="9525">
                   <a:solidFill>
                     <a:srgbClr val="000000"/>
                   </a:solidFill>
@@ -3174,7 +3184,7 @@
             </a:ln>
             <a:extLst>
               <a:ext uri="{91240B29-F687-4f45-9708-019B960494DF}">
-                <a14:hiddenLine xmlns:a14="http://schemas.microsoft.com/office/drawing/2010/main" xmlns="" w="9525">
+                <a14:hiddenLine xmlns="" xmlns:a14="http://schemas.microsoft.com/office/drawing/2010/main" w="9525">
                   <a:solidFill>
                     <a:srgbClr val="000000"/>
                   </a:solidFill>
@@ -3208,7 +3218,7 @@
             </a:ln>
             <a:extLst>
               <a:ext uri="{91240B29-F687-4f45-9708-019B960494DF}">
-                <a14:hiddenLine xmlns:a14="http://schemas.microsoft.com/office/drawing/2010/main" xmlns="" w="9525">
+                <a14:hiddenLine xmlns="" xmlns:a14="http://schemas.microsoft.com/office/drawing/2010/main" w="9525">
                   <a:solidFill>
                     <a:srgbClr val="000000"/>
                   </a:solidFill>
@@ -3273,7 +3283,7 @@
             </a:ln>
             <a:extLst>
               <a:ext uri="{91240B29-F687-4f45-9708-019B960494DF}">
-                <a14:hiddenLine xmlns:a14="http://schemas.microsoft.com/office/drawing/2010/main" xmlns="" w="9525">
+                <a14:hiddenLine xmlns="" xmlns:a14="http://schemas.microsoft.com/office/drawing/2010/main" w="9525">
                   <a:solidFill>
                     <a:srgbClr val="000000"/>
                   </a:solidFill>
@@ -3363,7 +3373,7 @@
             </a:ln>
             <a:extLst>
               <a:ext uri="{91240B29-F687-4f45-9708-019B960494DF}">
-                <a14:hiddenLine xmlns:a14="http://schemas.microsoft.com/office/drawing/2010/main" xmlns="" w="9525">
+                <a14:hiddenLine xmlns="" xmlns:a14="http://schemas.microsoft.com/office/drawing/2010/main" w="9525">
                   <a:solidFill>
                     <a:srgbClr val="000000"/>
                   </a:solidFill>
@@ -3425,7 +3435,7 @@
             </a:ln>
             <a:extLst>
               <a:ext uri="{91240B29-F687-4f45-9708-019B960494DF}">
-                <a14:hiddenLine xmlns:a14="http://schemas.microsoft.com/office/drawing/2010/main" xmlns="" w="9525">
+                <a14:hiddenLine xmlns="" xmlns:a14="http://schemas.microsoft.com/office/drawing/2010/main" w="9525">
                   <a:solidFill>
                     <a:srgbClr val="000000"/>
                   </a:solidFill>
@@ -3515,7 +3525,7 @@
             </a:ln>
             <a:extLst>
               <a:ext uri="{91240B29-F687-4f45-9708-019B960494DF}">
-                <a14:hiddenLine xmlns:a14="http://schemas.microsoft.com/office/drawing/2010/main" xmlns="" w="9525">
+                <a14:hiddenLine xmlns="" xmlns:a14="http://schemas.microsoft.com/office/drawing/2010/main" w="9525">
                   <a:solidFill>
                     <a:srgbClr val="000000"/>
                   </a:solidFill>
@@ -3605,7 +3615,7 @@
             </a:ln>
             <a:extLst>
               <a:ext uri="{91240B29-F687-4f45-9708-019B960494DF}">
-                <a14:hiddenLine xmlns:a14="http://schemas.microsoft.com/office/drawing/2010/main" xmlns="" w="9525">
+                <a14:hiddenLine xmlns="" xmlns:a14="http://schemas.microsoft.com/office/drawing/2010/main" w="9525">
                   <a:solidFill>
                     <a:srgbClr val="000000"/>
                   </a:solidFill>
@@ -3670,7 +3680,7 @@
             </a:ln>
             <a:extLst>
               <a:ext uri="{91240B29-F687-4f45-9708-019B960494DF}">
-                <a14:hiddenLine xmlns:a14="http://schemas.microsoft.com/office/drawing/2010/main" xmlns="" w="9525">
+                <a14:hiddenLine xmlns="" xmlns:a14="http://schemas.microsoft.com/office/drawing/2010/main" w="9525">
                   <a:solidFill>
                     <a:srgbClr val="000000"/>
                   </a:solidFill>
@@ -3732,7 +3742,7 @@
             </a:ln>
             <a:extLst>
               <a:ext uri="{91240B29-F687-4f45-9708-019B960494DF}">
-                <a14:hiddenLine xmlns:a14="http://schemas.microsoft.com/office/drawing/2010/main" xmlns="" w="9525">
+                <a14:hiddenLine xmlns="" xmlns:a14="http://schemas.microsoft.com/office/drawing/2010/main" w="9525">
                   <a:solidFill>
                     <a:srgbClr val="000000"/>
                   </a:solidFill>
@@ -3822,7 +3832,7 @@
             </a:ln>
             <a:extLst>
               <a:ext uri="{91240B29-F687-4f45-9708-019B960494DF}">
-                <a14:hiddenLine xmlns:a14="http://schemas.microsoft.com/office/drawing/2010/main" xmlns="" w="9525">
+                <a14:hiddenLine xmlns="" xmlns:a14="http://schemas.microsoft.com/office/drawing/2010/main" w="9525">
                   <a:solidFill>
                     <a:srgbClr val="000000"/>
                   </a:solidFill>
@@ -3912,7 +3922,7 @@
             </a:ln>
             <a:extLst>
               <a:ext uri="{91240B29-F687-4f45-9708-019B960494DF}">
-                <a14:hiddenLine xmlns:a14="http://schemas.microsoft.com/office/drawing/2010/main" xmlns="" w="9525">
+                <a14:hiddenLine xmlns="" xmlns:a14="http://schemas.microsoft.com/office/drawing/2010/main" w="9525">
                   <a:solidFill>
                     <a:srgbClr val="000000"/>
                   </a:solidFill>
@@ -3974,7 +3984,7 @@
             </a:ln>
             <a:extLst>
               <a:ext uri="{91240B29-F687-4f45-9708-019B960494DF}">
-                <a14:hiddenLine xmlns:a14="http://schemas.microsoft.com/office/drawing/2010/main" xmlns="" w="9525">
+                <a14:hiddenLine xmlns="" xmlns:a14="http://schemas.microsoft.com/office/drawing/2010/main" w="9525">
                   <a:solidFill>
                     <a:srgbClr val="000000"/>
                   </a:solidFill>
@@ -4094,7 +4104,7 @@
             </a:ln>
             <a:extLst>
               <a:ext uri="{91240B29-F687-4f45-9708-019B960494DF}">
-                <a14:hiddenLine xmlns:a14="http://schemas.microsoft.com/office/drawing/2010/main" xmlns="" w="9525">
+                <a14:hiddenLine xmlns="" xmlns:a14="http://schemas.microsoft.com/office/drawing/2010/main" w="9525">
                   <a:solidFill>
                     <a:srgbClr val="000000"/>
                   </a:solidFill>
@@ -4162,7 +4172,7 @@
             </a:ln>
             <a:extLst>
               <a:ext uri="{91240B29-F687-4f45-9708-019B960494DF}">
-                <a14:hiddenLine xmlns:a14="http://schemas.microsoft.com/office/drawing/2010/main" xmlns="" w="9525">
+                <a14:hiddenLine xmlns="" xmlns:a14="http://schemas.microsoft.com/office/drawing/2010/main" w="9525">
                   <a:solidFill>
                     <a:srgbClr val="000000"/>
                   </a:solidFill>
@@ -4252,7 +4262,7 @@
             </a:ln>
             <a:extLst>
               <a:ext uri="{91240B29-F687-4f45-9708-019B960494DF}">
-                <a14:hiddenLine xmlns:a14="http://schemas.microsoft.com/office/drawing/2010/main" xmlns="" w="9525">
+                <a14:hiddenLine xmlns="" xmlns:a14="http://schemas.microsoft.com/office/drawing/2010/main" w="9525">
                   <a:solidFill>
                     <a:srgbClr val="000000"/>
                   </a:solidFill>
@@ -4392,7 +4402,7 @@
           <a:p>
             <a:fld id="{F32932BE-280F-4701-BD3A-61F71D28EDC8}" type="datetimeFigureOut">
               <a:rPr lang="en-IN" smtClean="0"/>
-              <a:t>13-06-2021</a:t>
+              <a:t>15-06-2021</a:t>
             </a:fld>
             <a:endParaRPr lang="en-IN"/>
           </a:p>
@@ -4659,7 +4669,7 @@
           <a:p>
             <a:fld id="{F32932BE-280F-4701-BD3A-61F71D28EDC8}" type="datetimeFigureOut">
               <a:rPr lang="en-IN" smtClean="0"/>
-              <a:t>13-06-2021</a:t>
+              <a:t>15-06-2021</a:t>
             </a:fld>
             <a:endParaRPr lang="en-IN"/>
           </a:p>
@@ -4855,7 +4865,7 @@
           <a:p>
             <a:fld id="{F32932BE-280F-4701-BD3A-61F71D28EDC8}" type="datetimeFigureOut">
               <a:rPr lang="en-IN" smtClean="0"/>
-              <a:t>13-06-2021</a:t>
+              <a:t>15-06-2021</a:t>
             </a:fld>
             <a:endParaRPr lang="en-IN"/>
           </a:p>
@@ -5118,7 +5128,7 @@
           <a:p>
             <a:fld id="{F32932BE-280F-4701-BD3A-61F71D28EDC8}" type="datetimeFigureOut">
               <a:rPr lang="en-IN" smtClean="0"/>
-              <a:t>13-06-2021</a:t>
+              <a:t>15-06-2021</a:t>
             </a:fld>
             <a:endParaRPr lang="en-IN"/>
           </a:p>
@@ -5552,7 +5562,7 @@
           <a:p>
             <a:fld id="{F32932BE-280F-4701-BD3A-61F71D28EDC8}" type="datetimeFigureOut">
               <a:rPr lang="en-IN" smtClean="0"/>
-              <a:t>13-06-2021</a:t>
+              <a:t>15-06-2021</a:t>
             </a:fld>
             <a:endParaRPr lang="en-IN"/>
           </a:p>
@@ -6098,7 +6108,7 @@
           <a:p>
             <a:fld id="{F32932BE-280F-4701-BD3A-61F71D28EDC8}" type="datetimeFigureOut">
               <a:rPr lang="en-IN" smtClean="0"/>
-              <a:t>13-06-2021</a:t>
+              <a:t>15-06-2021</a:t>
             </a:fld>
             <a:endParaRPr lang="en-IN"/>
           </a:p>
@@ -6818,7 +6828,7 @@
           <a:p>
             <a:fld id="{F32932BE-280F-4701-BD3A-61F71D28EDC8}" type="datetimeFigureOut">
               <a:rPr lang="en-IN" smtClean="0"/>
-              <a:t>13-06-2021</a:t>
+              <a:t>15-06-2021</a:t>
             </a:fld>
             <a:endParaRPr lang="en-IN"/>
           </a:p>
@@ -6988,7 +6998,7 @@
           <a:p>
             <a:fld id="{F32932BE-280F-4701-BD3A-61F71D28EDC8}" type="datetimeFigureOut">
               <a:rPr lang="en-IN" smtClean="0"/>
-              <a:t>13-06-2021</a:t>
+              <a:t>15-06-2021</a:t>
             </a:fld>
             <a:endParaRPr lang="en-IN"/>
           </a:p>
@@ -7168,7 +7178,7 @@
           <a:p>
             <a:fld id="{F32932BE-280F-4701-BD3A-61F71D28EDC8}" type="datetimeFigureOut">
               <a:rPr lang="en-IN" smtClean="0"/>
-              <a:t>13-06-2021</a:t>
+              <a:t>15-06-2021</a:t>
             </a:fld>
             <a:endParaRPr lang="en-IN"/>
           </a:p>
@@ -7338,7 +7348,7 @@
           <a:p>
             <a:fld id="{F32932BE-280F-4701-BD3A-61F71D28EDC8}" type="datetimeFigureOut">
               <a:rPr lang="en-IN" smtClean="0"/>
-              <a:t>13-06-2021</a:t>
+              <a:t>15-06-2021</a:t>
             </a:fld>
             <a:endParaRPr lang="en-IN"/>
           </a:p>
@@ -7588,7 +7598,7 @@
           <a:p>
             <a:fld id="{F32932BE-280F-4701-BD3A-61F71D28EDC8}" type="datetimeFigureOut">
               <a:rPr lang="en-IN" smtClean="0"/>
-              <a:t>13-06-2021</a:t>
+              <a:t>15-06-2021</a:t>
             </a:fld>
             <a:endParaRPr lang="en-IN"/>
           </a:p>
@@ -7820,7 +7830,7 @@
           <a:p>
             <a:fld id="{F32932BE-280F-4701-BD3A-61F71D28EDC8}" type="datetimeFigureOut">
               <a:rPr lang="en-IN" smtClean="0"/>
-              <a:t>13-06-2021</a:t>
+              <a:t>15-06-2021</a:t>
             </a:fld>
             <a:endParaRPr lang="en-IN"/>
           </a:p>
@@ -8201,7 +8211,7 @@
           <a:p>
             <a:fld id="{F32932BE-280F-4701-BD3A-61F71D28EDC8}" type="datetimeFigureOut">
               <a:rPr lang="en-IN" smtClean="0"/>
-              <a:t>13-06-2021</a:t>
+              <a:t>15-06-2021</a:t>
             </a:fld>
             <a:endParaRPr lang="en-IN"/>
           </a:p>
@@ -8319,7 +8329,7 @@
           <a:p>
             <a:fld id="{F32932BE-280F-4701-BD3A-61F71D28EDC8}" type="datetimeFigureOut">
               <a:rPr lang="en-IN" smtClean="0"/>
-              <a:t>13-06-2021</a:t>
+              <a:t>15-06-2021</a:t>
             </a:fld>
             <a:endParaRPr lang="en-IN"/>
           </a:p>
@@ -8414,7 +8424,7 @@
           <a:p>
             <a:fld id="{F32932BE-280F-4701-BD3A-61F71D28EDC8}" type="datetimeFigureOut">
               <a:rPr lang="en-IN" smtClean="0"/>
-              <a:t>13-06-2021</a:t>
+              <a:t>15-06-2021</a:t>
             </a:fld>
             <a:endParaRPr lang="en-IN"/>
           </a:p>
@@ -8663,7 +8673,7 @@
           <a:p>
             <a:fld id="{F32932BE-280F-4701-BD3A-61F71D28EDC8}" type="datetimeFigureOut">
               <a:rPr lang="en-IN" smtClean="0"/>
-              <a:t>13-06-2021</a:t>
+              <a:t>15-06-2021</a:t>
             </a:fld>
             <a:endParaRPr lang="en-IN"/>
           </a:p>
@@ -8943,7 +8953,7 @@
           <a:p>
             <a:fld id="{F32932BE-280F-4701-BD3A-61F71D28EDC8}" type="datetimeFigureOut">
               <a:rPr lang="en-IN" smtClean="0"/>
-              <a:t>13-06-2021</a:t>
+              <a:t>15-06-2021</a:t>
             </a:fld>
             <a:endParaRPr lang="en-IN"/>
           </a:p>
@@ -9059,7 +9069,7 @@
           <a:noFill/>
           <a:extLst>
             <a:ext uri="{909E8E84-426E-40dd-AFC4-6F175D3DCCD1}">
-              <a14:hiddenFill xmlns:a14="http://schemas.microsoft.com/office/drawing/2010/main" xmlns="">
+              <a14:hiddenFill xmlns="" xmlns:a14="http://schemas.microsoft.com/office/drawing/2010/main">
                 <a:solidFill>
                   <a:srgbClr val="FFFFFF"/>
                 </a:solidFill>
@@ -9133,7 +9143,7 @@
               </a:ln>
               <a:extLst>
                 <a:ext uri="{91240B29-F687-4f45-9708-019B960494DF}">
-                  <a14:hiddenLine xmlns:a14="http://schemas.microsoft.com/office/drawing/2010/main" xmlns="" w="9525">
+                  <a14:hiddenLine xmlns="" xmlns:a14="http://schemas.microsoft.com/office/drawing/2010/main" w="9525">
                     <a:solidFill>
                       <a:srgbClr val="000000"/>
                     </a:solidFill>
@@ -9223,7 +9233,7 @@
               </a:ln>
               <a:extLst>
                 <a:ext uri="{91240B29-F687-4f45-9708-019B960494DF}">
-                  <a14:hiddenLine xmlns:a14="http://schemas.microsoft.com/office/drawing/2010/main" xmlns="" w="9525">
+                  <a14:hiddenLine xmlns="" xmlns:a14="http://schemas.microsoft.com/office/drawing/2010/main" w="9525">
                     <a:solidFill>
                       <a:srgbClr val="000000"/>
                     </a:solidFill>
@@ -9313,7 +9323,7 @@
               </a:ln>
               <a:extLst>
                 <a:ext uri="{91240B29-F687-4f45-9708-019B960494DF}">
-                  <a14:hiddenLine xmlns:a14="http://schemas.microsoft.com/office/drawing/2010/main" xmlns="" w="9525">
+                  <a14:hiddenLine xmlns="" xmlns:a14="http://schemas.microsoft.com/office/drawing/2010/main" w="9525">
                     <a:solidFill>
                       <a:srgbClr val="000000"/>
                     </a:solidFill>
@@ -9375,7 +9385,7 @@
               </a:ln>
               <a:extLst>
                 <a:ext uri="{91240B29-F687-4f45-9708-019B960494DF}">
-                  <a14:hiddenLine xmlns:a14="http://schemas.microsoft.com/office/drawing/2010/main" xmlns="" w="9525">
+                  <a14:hiddenLine xmlns="" xmlns:a14="http://schemas.microsoft.com/office/drawing/2010/main" w="9525">
                     <a:solidFill>
                       <a:srgbClr val="000000"/>
                     </a:solidFill>
@@ -9465,7 +9475,7 @@
               </a:ln>
               <a:extLst>
                 <a:ext uri="{91240B29-F687-4f45-9708-019B960494DF}">
-                  <a14:hiddenLine xmlns:a14="http://schemas.microsoft.com/office/drawing/2010/main" xmlns="" w="9525">
+                  <a14:hiddenLine xmlns="" xmlns:a14="http://schemas.microsoft.com/office/drawing/2010/main" w="9525">
                     <a:solidFill>
                       <a:srgbClr val="000000"/>
                     </a:solidFill>
@@ -9527,7 +9537,7 @@
               </a:ln>
               <a:extLst>
                 <a:ext uri="{91240B29-F687-4f45-9708-019B960494DF}">
-                  <a14:hiddenLine xmlns:a14="http://schemas.microsoft.com/office/drawing/2010/main" xmlns="" w="9525">
+                  <a14:hiddenLine xmlns="" xmlns:a14="http://schemas.microsoft.com/office/drawing/2010/main" w="9525">
                     <a:solidFill>
                       <a:srgbClr val="000000"/>
                     </a:solidFill>
@@ -9589,7 +9599,7 @@
               </a:ln>
               <a:extLst>
                 <a:ext uri="{91240B29-F687-4f45-9708-019B960494DF}">
-                  <a14:hiddenLine xmlns:a14="http://schemas.microsoft.com/office/drawing/2010/main" xmlns="" w="9525">
+                  <a14:hiddenLine xmlns="" xmlns:a14="http://schemas.microsoft.com/office/drawing/2010/main" w="9525">
                     <a:solidFill>
                       <a:srgbClr val="000000"/>
                     </a:solidFill>
@@ -9679,7 +9689,7 @@
               </a:ln>
               <a:extLst>
                 <a:ext uri="{91240B29-F687-4f45-9708-019B960494DF}">
-                  <a14:hiddenLine xmlns:a14="http://schemas.microsoft.com/office/drawing/2010/main" xmlns="" w="9525">
+                  <a14:hiddenLine xmlns="" xmlns:a14="http://schemas.microsoft.com/office/drawing/2010/main" w="9525">
                     <a:solidFill>
                       <a:srgbClr val="000000"/>
                     </a:solidFill>
@@ -9769,7 +9779,7 @@
               </a:ln>
               <a:extLst>
                 <a:ext uri="{91240B29-F687-4f45-9708-019B960494DF}">
-                  <a14:hiddenLine xmlns:a14="http://schemas.microsoft.com/office/drawing/2010/main" xmlns="" w="9525">
+                  <a14:hiddenLine xmlns="" xmlns:a14="http://schemas.microsoft.com/office/drawing/2010/main" w="9525">
                     <a:solidFill>
                       <a:srgbClr val="000000"/>
                     </a:solidFill>
@@ -9831,7 +9841,7 @@
               </a:ln>
               <a:extLst>
                 <a:ext uri="{91240B29-F687-4f45-9708-019B960494DF}">
-                  <a14:hiddenLine xmlns:a14="http://schemas.microsoft.com/office/drawing/2010/main" xmlns="" w="9525">
+                  <a14:hiddenLine xmlns="" xmlns:a14="http://schemas.microsoft.com/office/drawing/2010/main" w="9525">
                     <a:solidFill>
                       <a:srgbClr val="000000"/>
                     </a:solidFill>
@@ -9941,7 +9951,7 @@
               </a:ln>
               <a:extLst>
                 <a:ext uri="{91240B29-F687-4f45-9708-019B960494DF}">
-                  <a14:hiddenLine xmlns:a14="http://schemas.microsoft.com/office/drawing/2010/main" xmlns="" w="9525">
+                  <a14:hiddenLine xmlns="" xmlns:a14="http://schemas.microsoft.com/office/drawing/2010/main" w="9525">
                     <a:solidFill>
                       <a:srgbClr val="000000"/>
                     </a:solidFill>
@@ -10025,7 +10035,7 @@
               </a:ln>
               <a:extLst>
                 <a:ext uri="{91240B29-F687-4f45-9708-019B960494DF}">
-                  <a14:hiddenLine xmlns:a14="http://schemas.microsoft.com/office/drawing/2010/main" xmlns="" w="9525">
+                  <a14:hiddenLine xmlns="" xmlns:a14="http://schemas.microsoft.com/office/drawing/2010/main" w="9525">
                     <a:solidFill>
                       <a:srgbClr val="000000"/>
                     </a:solidFill>
@@ -10087,7 +10097,7 @@
               </a:ln>
               <a:extLst>
                 <a:ext uri="{91240B29-F687-4f45-9708-019B960494DF}">
-                  <a14:hiddenLine xmlns:a14="http://schemas.microsoft.com/office/drawing/2010/main" xmlns="" w="9525">
+                  <a14:hiddenLine xmlns="" xmlns:a14="http://schemas.microsoft.com/office/drawing/2010/main" w="9525">
                     <a:solidFill>
                       <a:srgbClr val="000000"/>
                     </a:solidFill>
@@ -10149,7 +10159,7 @@
               </a:ln>
               <a:extLst>
                 <a:ext uri="{91240B29-F687-4f45-9708-019B960494DF}">
-                  <a14:hiddenLine xmlns:a14="http://schemas.microsoft.com/office/drawing/2010/main" xmlns="" w="9525">
+                  <a14:hiddenLine xmlns="" xmlns:a14="http://schemas.microsoft.com/office/drawing/2010/main" w="9525">
                     <a:solidFill>
                       <a:srgbClr val="000000"/>
                     </a:solidFill>
@@ -10239,7 +10249,7 @@
               </a:ln>
               <a:extLst>
                 <a:ext uri="{91240B29-F687-4f45-9708-019B960494DF}">
-                  <a14:hiddenLine xmlns:a14="http://schemas.microsoft.com/office/drawing/2010/main" xmlns="" w="9525">
+                  <a14:hiddenLine xmlns="" xmlns:a14="http://schemas.microsoft.com/office/drawing/2010/main" w="9525">
                     <a:solidFill>
                       <a:srgbClr val="000000"/>
                     </a:solidFill>
@@ -10273,7 +10283,7 @@
               </a:ln>
               <a:extLst>
                 <a:ext uri="{91240B29-F687-4f45-9708-019B960494DF}">
-                  <a14:hiddenLine xmlns:a14="http://schemas.microsoft.com/office/drawing/2010/main" xmlns="" w="9525">
+                  <a14:hiddenLine xmlns="" xmlns:a14="http://schemas.microsoft.com/office/drawing/2010/main" w="9525">
                     <a:solidFill>
                       <a:srgbClr val="000000"/>
                     </a:solidFill>
@@ -10338,7 +10348,7 @@
               </a:ln>
               <a:extLst>
                 <a:ext uri="{91240B29-F687-4f45-9708-019B960494DF}">
-                  <a14:hiddenLine xmlns:a14="http://schemas.microsoft.com/office/drawing/2010/main" xmlns="" w="9525">
+                  <a14:hiddenLine xmlns="" xmlns:a14="http://schemas.microsoft.com/office/drawing/2010/main" w="9525">
                     <a:solidFill>
                       <a:srgbClr val="000000"/>
                     </a:solidFill>
@@ -10428,7 +10438,7 @@
               </a:ln>
               <a:extLst>
                 <a:ext uri="{91240B29-F687-4f45-9708-019B960494DF}">
-                  <a14:hiddenLine xmlns:a14="http://schemas.microsoft.com/office/drawing/2010/main" xmlns="" w="9525">
+                  <a14:hiddenLine xmlns="" xmlns:a14="http://schemas.microsoft.com/office/drawing/2010/main" w="9525">
                     <a:solidFill>
                       <a:srgbClr val="000000"/>
                     </a:solidFill>
@@ -10490,7 +10500,7 @@
               </a:ln>
               <a:extLst>
                 <a:ext uri="{91240B29-F687-4f45-9708-019B960494DF}">
-                  <a14:hiddenLine xmlns:a14="http://schemas.microsoft.com/office/drawing/2010/main" xmlns="" w="9525">
+                  <a14:hiddenLine xmlns="" xmlns:a14="http://schemas.microsoft.com/office/drawing/2010/main" w="9525">
                     <a:solidFill>
                       <a:srgbClr val="000000"/>
                     </a:solidFill>
@@ -10580,7 +10590,7 @@
               </a:ln>
               <a:extLst>
                 <a:ext uri="{91240B29-F687-4f45-9708-019B960494DF}">
-                  <a14:hiddenLine xmlns:a14="http://schemas.microsoft.com/office/drawing/2010/main" xmlns="" w="9525">
+                  <a14:hiddenLine xmlns="" xmlns:a14="http://schemas.microsoft.com/office/drawing/2010/main" w="9525">
                     <a:solidFill>
                       <a:srgbClr val="000000"/>
                     </a:solidFill>
@@ -10645,7 +10655,7 @@
               </a:ln>
               <a:extLst>
                 <a:ext uri="{91240B29-F687-4f45-9708-019B960494DF}">
-                  <a14:hiddenLine xmlns:a14="http://schemas.microsoft.com/office/drawing/2010/main" xmlns="" w="9525">
+                  <a14:hiddenLine xmlns="" xmlns:a14="http://schemas.microsoft.com/office/drawing/2010/main" w="9525">
                     <a:solidFill>
                       <a:srgbClr val="000000"/>
                     </a:solidFill>
@@ -10707,7 +10717,7 @@
               </a:ln>
               <a:extLst>
                 <a:ext uri="{91240B29-F687-4f45-9708-019B960494DF}">
-                  <a14:hiddenLine xmlns:a14="http://schemas.microsoft.com/office/drawing/2010/main" xmlns="" w="9525">
+                  <a14:hiddenLine xmlns="" xmlns:a14="http://schemas.microsoft.com/office/drawing/2010/main" w="9525">
                     <a:solidFill>
                       <a:srgbClr val="000000"/>
                     </a:solidFill>
@@ -10797,7 +10807,7 @@
               </a:ln>
               <a:extLst>
                 <a:ext uri="{91240B29-F687-4f45-9708-019B960494DF}">
-                  <a14:hiddenLine xmlns:a14="http://schemas.microsoft.com/office/drawing/2010/main" xmlns="" w="9525">
+                  <a14:hiddenLine xmlns="" xmlns:a14="http://schemas.microsoft.com/office/drawing/2010/main" w="9525">
                     <a:solidFill>
                       <a:srgbClr val="000000"/>
                     </a:solidFill>
@@ -10887,7 +10897,7 @@
               </a:ln>
               <a:extLst>
                 <a:ext uri="{91240B29-F687-4f45-9708-019B960494DF}">
-                  <a14:hiddenLine xmlns:a14="http://schemas.microsoft.com/office/drawing/2010/main" xmlns="" w="9525">
+                  <a14:hiddenLine xmlns="" xmlns:a14="http://schemas.microsoft.com/office/drawing/2010/main" w="9525">
                     <a:solidFill>
                       <a:srgbClr val="000000"/>
                     </a:solidFill>
@@ -10952,7 +10962,7 @@
               </a:ln>
               <a:extLst>
                 <a:ext uri="{91240B29-F687-4f45-9708-019B960494DF}">
-                  <a14:hiddenLine xmlns:a14="http://schemas.microsoft.com/office/drawing/2010/main" xmlns="" w="9525">
+                  <a14:hiddenLine xmlns="" xmlns:a14="http://schemas.microsoft.com/office/drawing/2010/main" w="9525">
                     <a:solidFill>
                       <a:srgbClr val="000000"/>
                     </a:solidFill>
@@ -11072,7 +11082,7 @@
               </a:ln>
               <a:extLst>
                 <a:ext uri="{91240B29-F687-4f45-9708-019B960494DF}">
-                  <a14:hiddenLine xmlns:a14="http://schemas.microsoft.com/office/drawing/2010/main" xmlns="" w="9525">
+                  <a14:hiddenLine xmlns="" xmlns:a14="http://schemas.microsoft.com/office/drawing/2010/main" w="9525">
                     <a:solidFill>
                       <a:srgbClr val="000000"/>
                     </a:solidFill>
@@ -11170,7 +11180,7 @@
               </a:ln>
               <a:extLst>
                 <a:ext uri="{91240B29-F687-4f45-9708-019B960494DF}">
-                  <a14:hiddenLine xmlns:a14="http://schemas.microsoft.com/office/drawing/2010/main" xmlns="" w="9525">
+                  <a14:hiddenLine xmlns="" xmlns:a14="http://schemas.microsoft.com/office/drawing/2010/main" w="9525">
                     <a:solidFill>
                       <a:srgbClr val="000000"/>
                     </a:solidFill>
@@ -11285,7 +11295,7 @@
               </a:ln>
               <a:extLst>
                 <a:ext uri="{91240B29-F687-4f45-9708-019B960494DF}">
-                  <a14:hiddenLine xmlns:a14="http://schemas.microsoft.com/office/drawing/2010/main" xmlns="" w="9525">
+                  <a14:hiddenLine xmlns="" xmlns:a14="http://schemas.microsoft.com/office/drawing/2010/main" w="9525">
                     <a:solidFill>
                       <a:srgbClr val="000000"/>
                     </a:solidFill>
@@ -11375,7 +11385,7 @@
               </a:ln>
               <a:extLst>
                 <a:ext uri="{91240B29-F687-4f45-9708-019B960494DF}">
-                  <a14:hiddenLine xmlns:a14="http://schemas.microsoft.com/office/drawing/2010/main" xmlns="" w="9525">
+                  <a14:hiddenLine xmlns="" xmlns:a14="http://schemas.microsoft.com/office/drawing/2010/main" w="9525">
                     <a:solidFill>
                       <a:srgbClr val="000000"/>
                     </a:solidFill>
@@ -11440,7 +11450,7 @@
               </a:ln>
               <a:extLst>
                 <a:ext uri="{91240B29-F687-4f45-9708-019B960494DF}">
-                  <a14:hiddenLine xmlns:a14="http://schemas.microsoft.com/office/drawing/2010/main" xmlns="" w="9525">
+                  <a14:hiddenLine xmlns="" xmlns:a14="http://schemas.microsoft.com/office/drawing/2010/main" w="9525">
                     <a:solidFill>
                       <a:srgbClr val="000000"/>
                     </a:solidFill>
@@ -11530,7 +11540,7 @@
               </a:ln>
               <a:extLst>
                 <a:ext uri="{91240B29-F687-4f45-9708-019B960494DF}">
-                  <a14:hiddenLine xmlns:a14="http://schemas.microsoft.com/office/drawing/2010/main" xmlns="" w="9525">
+                  <a14:hiddenLine xmlns="" xmlns:a14="http://schemas.microsoft.com/office/drawing/2010/main" w="9525">
                     <a:solidFill>
                       <a:srgbClr val="000000"/>
                     </a:solidFill>
@@ -11598,7 +11608,7 @@
               </a:ln>
               <a:extLst>
                 <a:ext uri="{91240B29-F687-4f45-9708-019B960494DF}">
-                  <a14:hiddenLine xmlns:a14="http://schemas.microsoft.com/office/drawing/2010/main" xmlns="" w="9525">
+                  <a14:hiddenLine xmlns="" xmlns:a14="http://schemas.microsoft.com/office/drawing/2010/main" w="9525">
                     <a:solidFill>
                       <a:srgbClr val="000000"/>
                     </a:solidFill>
@@ -11688,7 +11698,7 @@
               </a:ln>
               <a:extLst>
                 <a:ext uri="{91240B29-F687-4f45-9708-019B960494DF}">
-                  <a14:hiddenLine xmlns:a14="http://schemas.microsoft.com/office/drawing/2010/main" xmlns="" w="9525">
+                  <a14:hiddenLine xmlns="" xmlns:a14="http://schemas.microsoft.com/office/drawing/2010/main" w="9525">
                     <a:solidFill>
                       <a:srgbClr val="000000"/>
                     </a:solidFill>
@@ -11756,7 +11766,7 @@
               </a:ln>
               <a:extLst>
                 <a:ext uri="{91240B29-F687-4f45-9708-019B960494DF}">
-                  <a14:hiddenLine xmlns:a14="http://schemas.microsoft.com/office/drawing/2010/main" xmlns="" w="9525">
+                  <a14:hiddenLine xmlns="" xmlns:a14="http://schemas.microsoft.com/office/drawing/2010/main" w="9525">
                     <a:solidFill>
                       <a:srgbClr val="000000"/>
                     </a:solidFill>
@@ -11846,7 +11856,7 @@
               </a:ln>
               <a:extLst>
                 <a:ext uri="{91240B29-F687-4f45-9708-019B960494DF}">
-                  <a14:hiddenLine xmlns:a14="http://schemas.microsoft.com/office/drawing/2010/main" xmlns="" w="9525">
+                  <a14:hiddenLine xmlns="" xmlns:a14="http://schemas.microsoft.com/office/drawing/2010/main" w="9525">
                     <a:solidFill>
                       <a:srgbClr val="000000"/>
                     </a:solidFill>
@@ -11880,7 +11890,7 @@
               </a:ln>
               <a:extLst>
                 <a:ext uri="{91240B29-F687-4f45-9708-019B960494DF}">
-                  <a14:hiddenLine xmlns:a14="http://schemas.microsoft.com/office/drawing/2010/main" xmlns="" w="9525">
+                  <a14:hiddenLine xmlns="" xmlns:a14="http://schemas.microsoft.com/office/drawing/2010/main" w="9525">
                     <a:solidFill>
                       <a:srgbClr val="000000"/>
                     </a:solidFill>
@@ -12020,7 +12030,7 @@
           <a:p>
             <a:fld id="{F32932BE-280F-4701-BD3A-61F71D28EDC8}" type="datetimeFigureOut">
               <a:rPr lang="en-IN" smtClean="0"/>
-              <a:t>13-06-2021</a:t>
+              <a:t>15-06-2021</a:t>
             </a:fld>
             <a:endParaRPr lang="en-IN"/>
           </a:p>
@@ -12528,13 +12538,13 @@
   <p:clrMapOvr>
     <a:masterClrMapping/>
   </p:clrMapOvr>
-  <mc:AlternateContent xmlns:mc="http://schemas.openxmlformats.org/markup-compatibility/2006">
-    <mc:Choice xmlns:p14="http://schemas.microsoft.com/office/powerpoint/2010/main" Requires="p14">
+  <mc:AlternateContent xmlns:mc="http://schemas.openxmlformats.org/markup-compatibility/2006" xmlns:p14="http://schemas.microsoft.com/office/powerpoint/2010/main">
+    <mc:Choice Requires="p14">
       <p:transition p14:dur="100">
         <p:cut/>
       </p:transition>
     </mc:Choice>
-    <mc:Fallback>
+    <mc:Fallback xmlns="">
       <p:transition>
         <p:cut/>
       </p:transition>
@@ -12544,851 +12554,6 @@
 </file>
 
 <file path=ppt/slides/slide10.xml><?xml version="1.0" encoding="utf-8"?>
-<p:sld xmlns:a="http://schemas.openxmlformats.org/drawingml/2006/main" xmlns:r="http://schemas.openxmlformats.org/officeDocument/2006/relationships" xmlns:p="http://schemas.openxmlformats.org/presentationml/2006/main">
-  <p:cSld>
-    <p:spTree>
-      <p:nvGrpSpPr>
-        <p:cNvPr id="1" name=""/>
-        <p:cNvGrpSpPr/>
-        <p:nvPr/>
-      </p:nvGrpSpPr>
-      <p:grpSpPr>
-        <a:xfrm>
-          <a:off x="0" y="0"/>
-          <a:ext cx="0" cy="0"/>
-          <a:chOff x="0" y="0"/>
-          <a:chExt cx="0" cy="0"/>
-        </a:xfrm>
-      </p:grpSpPr>
-      <p:sp>
-        <p:nvSpPr>
-          <p:cNvPr id="2" name="Title 1">
-            <a:extLst>
-              <a:ext uri="{FF2B5EF4-FFF2-40B4-BE49-F238E27FC236}">
-                <a16:creationId xmlns:a16="http://schemas.microsoft.com/office/drawing/2014/main" id="{C75DBFD0-88C9-4684-AF3A-78E2157AC04F}"/>
-              </a:ext>
-            </a:extLst>
-          </p:cNvPr>
-          <p:cNvSpPr>
-            <a:spLocks noGrp="1"/>
-          </p:cNvSpPr>
-          <p:nvPr>
-            <p:ph type="title"/>
-          </p:nvPr>
-        </p:nvSpPr>
-        <p:spPr/>
-        <p:txBody>
-          <a:bodyPr/>
-          <a:lstStyle/>
-          <a:p>
-            <a:r>
-              <a:rPr lang="en-US" dirty="0"/>
-              <a:t>Answers table</a:t>
-            </a:r>
-            <a:endParaRPr lang="en-IN" dirty="0"/>
-          </a:p>
-        </p:txBody>
-      </p:sp>
-      <p:graphicFrame>
-        <p:nvGraphicFramePr>
-          <p:cNvPr id="4" name="Table 4">
-            <a:extLst>
-              <a:ext uri="{FF2B5EF4-FFF2-40B4-BE49-F238E27FC236}">
-                <a16:creationId xmlns:a16="http://schemas.microsoft.com/office/drawing/2014/main" id="{858936AF-8C70-48D1-8307-A78A70CFA7A3}"/>
-              </a:ext>
-            </a:extLst>
-          </p:cNvPr>
-          <p:cNvGraphicFramePr>
-            <a:graphicFrameLocks noGrp="1"/>
-          </p:cNvGraphicFramePr>
-          <p:nvPr>
-            <p:ph idx="1"/>
-            <p:extLst>
-              <p:ext uri="{D42A27DB-BD31-4B8C-83A1-F6EECF244321}">
-                <p14:modId xmlns:p14="http://schemas.microsoft.com/office/powerpoint/2010/main" val="3460929962"/>
-              </p:ext>
-            </p:extLst>
-          </p:nvPr>
-        </p:nvGraphicFramePr>
-        <p:xfrm>
-          <a:off x="1141413" y="2249488"/>
-          <a:ext cx="9906000" cy="741680"/>
-        </p:xfrm>
-        <a:graphic>
-          <a:graphicData uri="http://schemas.openxmlformats.org/drawingml/2006/table">
-            <a:tbl>
-              <a:tblPr firstRow="1" bandRow="1">
-                <a:tableStyleId>{22838BEF-8BB2-4498-84A7-C5851F593DF1}</a:tableStyleId>
-              </a:tblPr>
-              <a:tblGrid>
-                <a:gridCol w="2476500">
-                  <a:extLst>
-                    <a:ext uri="{9D8B030D-6E8A-4147-A177-3AD203B41FA5}">
-                      <a16:colId xmlns:a16="http://schemas.microsoft.com/office/drawing/2014/main" val="2624588619"/>
-                    </a:ext>
-                  </a:extLst>
-                </a:gridCol>
-                <a:gridCol w="2476500">
-                  <a:extLst>
-                    <a:ext uri="{9D8B030D-6E8A-4147-A177-3AD203B41FA5}">
-                      <a16:colId xmlns:a16="http://schemas.microsoft.com/office/drawing/2014/main" val="2692074005"/>
-                    </a:ext>
-                  </a:extLst>
-                </a:gridCol>
-                <a:gridCol w="2476500">
-                  <a:extLst>
-                    <a:ext uri="{9D8B030D-6E8A-4147-A177-3AD203B41FA5}">
-                      <a16:colId xmlns:a16="http://schemas.microsoft.com/office/drawing/2014/main" val="2606983172"/>
-                    </a:ext>
-                  </a:extLst>
-                </a:gridCol>
-                <a:gridCol w="2476500">
-                  <a:extLst>
-                    <a:ext uri="{9D8B030D-6E8A-4147-A177-3AD203B41FA5}">
-                      <a16:colId xmlns:a16="http://schemas.microsoft.com/office/drawing/2014/main" val="3690607145"/>
-                    </a:ext>
-                  </a:extLst>
-                </a:gridCol>
-              </a:tblGrid>
-              <a:tr h="370840">
-                <a:tc>
-                  <a:txBody>
-                    <a:bodyPr/>
-                    <a:lstStyle/>
-                    <a:p>
-                      <a:r>
-                        <a:rPr lang="en-US" dirty="0" err="1"/>
-                        <a:t>AnswerId</a:t>
-                      </a:r>
-                      <a:r>
-                        <a:rPr lang="en-US" dirty="0"/>
-                        <a:t>(P)</a:t>
-                      </a:r>
-                      <a:endParaRPr lang="en-IN" dirty="0"/>
-                    </a:p>
-                  </a:txBody>
-                  <a:tcPr/>
-                </a:tc>
-                <a:tc>
-                  <a:txBody>
-                    <a:bodyPr/>
-                    <a:lstStyle/>
-                    <a:p>
-                      <a:pPr marL="0" marR="0" lvl="0" indent="0" algn="l" defTabSz="914400" rtl="0" eaLnBrk="1" fontAlgn="auto" latinLnBrk="0" hangingPunct="1">
-                        <a:lnSpc>
-                          <a:spcPct val="100000"/>
-                        </a:lnSpc>
-                        <a:spcBef>
-                          <a:spcPts val="0"/>
-                        </a:spcBef>
-                        <a:spcAft>
-                          <a:spcPts val="0"/>
-                        </a:spcAft>
-                        <a:buClrTx/>
-                        <a:buSzTx/>
-                        <a:buFontTx/>
-                        <a:buNone/>
-                        <a:tabLst/>
-                        <a:defRPr/>
-                      </a:pPr>
-                      <a:r>
-                        <a:rPr lang="en-US" dirty="0" err="1"/>
-                        <a:t>QuestionId</a:t>
-                      </a:r>
-                      <a:r>
-                        <a:rPr lang="en-US" dirty="0"/>
-                        <a:t>(FK)</a:t>
-                      </a:r>
-                      <a:endParaRPr lang="en-IN" dirty="0"/>
-                    </a:p>
-                  </a:txBody>
-                  <a:tcPr/>
-                </a:tc>
-                <a:tc>
-                  <a:txBody>
-                    <a:bodyPr/>
-                    <a:lstStyle/>
-                    <a:p>
-                      <a:r>
-                        <a:rPr lang="en-US" dirty="0" err="1"/>
-                        <a:t>AnswerTitle</a:t>
-                      </a:r>
-                      <a:endParaRPr lang="en-IN" dirty="0"/>
-                    </a:p>
-                  </a:txBody>
-                  <a:tcPr/>
-                </a:tc>
-                <a:tc>
-                  <a:txBody>
-                    <a:bodyPr/>
-                    <a:lstStyle/>
-                    <a:p>
-                      <a:r>
-                        <a:rPr lang="en-US" dirty="0" err="1"/>
-                        <a:t>AnswerDescription</a:t>
-                      </a:r>
-                      <a:endParaRPr lang="en-IN" dirty="0"/>
-                    </a:p>
-                  </a:txBody>
-                  <a:tcPr/>
-                </a:tc>
-                <a:extLst>
-                  <a:ext uri="{0D108BD9-81ED-4DB2-BD59-A6C34878D82A}">
-                    <a16:rowId xmlns:a16="http://schemas.microsoft.com/office/drawing/2014/main" val="2091360046"/>
-                  </a:ext>
-                </a:extLst>
-              </a:tr>
-              <a:tr h="370840">
-                <a:tc>
-                  <a:txBody>
-                    <a:bodyPr/>
-                    <a:lstStyle/>
-                    <a:p>
-                      <a:r>
-                        <a:rPr lang="en-US" dirty="0"/>
-                        <a:t>GUID</a:t>
-                      </a:r>
-                      <a:endParaRPr lang="en-IN" dirty="0"/>
-                    </a:p>
-                  </a:txBody>
-                  <a:tcPr/>
-                </a:tc>
-                <a:tc>
-                  <a:txBody>
-                    <a:bodyPr/>
-                    <a:lstStyle/>
-                    <a:p>
-                      <a:r>
-                        <a:rPr lang="en-US" dirty="0"/>
-                        <a:t>GUID</a:t>
-                      </a:r>
-                      <a:endParaRPr lang="en-IN" dirty="0"/>
-                    </a:p>
-                  </a:txBody>
-                  <a:tcPr/>
-                </a:tc>
-                <a:tc>
-                  <a:txBody>
-                    <a:bodyPr/>
-                    <a:lstStyle/>
-                    <a:p>
-                      <a:r>
-                        <a:rPr lang="en-US" dirty="0"/>
-                        <a:t>STRING</a:t>
-                      </a:r>
-                      <a:endParaRPr lang="en-IN" dirty="0"/>
-                    </a:p>
-                  </a:txBody>
-                  <a:tcPr/>
-                </a:tc>
-                <a:tc>
-                  <a:txBody>
-                    <a:bodyPr/>
-                    <a:lstStyle/>
-                    <a:p>
-                      <a:r>
-                        <a:rPr lang="en-US" dirty="0"/>
-                        <a:t>STRING</a:t>
-                      </a:r>
-                      <a:endParaRPr lang="en-IN" dirty="0"/>
-                    </a:p>
-                  </a:txBody>
-                  <a:tcPr/>
-                </a:tc>
-                <a:extLst>
-                  <a:ext uri="{0D108BD9-81ED-4DB2-BD59-A6C34878D82A}">
-                    <a16:rowId xmlns:a16="http://schemas.microsoft.com/office/drawing/2014/main" val="2137518724"/>
-                  </a:ext>
-                </a:extLst>
-              </a:tr>
-            </a:tbl>
-          </a:graphicData>
-        </a:graphic>
-      </p:graphicFrame>
-    </p:spTree>
-    <p:extLst>
-      <p:ext uri="{BB962C8B-B14F-4D97-AF65-F5344CB8AC3E}">
-        <p14:creationId xmlns:p14="http://schemas.microsoft.com/office/powerpoint/2010/main" val="2965259619"/>
-      </p:ext>
-    </p:extLst>
-  </p:cSld>
-  <p:clrMapOvr>
-    <a:masterClrMapping/>
-  </p:clrMapOvr>
-</p:sld>
-</file>
-
-<file path=ppt/slides/slide2.xml><?xml version="1.0" encoding="utf-8"?>
-<p:sld xmlns:a="http://schemas.openxmlformats.org/drawingml/2006/main" xmlns:r="http://schemas.openxmlformats.org/officeDocument/2006/relationships" xmlns:p="http://schemas.openxmlformats.org/presentationml/2006/main">
-  <p:cSld>
-    <p:spTree>
-      <p:nvGrpSpPr>
-        <p:cNvPr id="1" name=""/>
-        <p:cNvGrpSpPr/>
-        <p:nvPr/>
-      </p:nvGrpSpPr>
-      <p:grpSpPr>
-        <a:xfrm>
-          <a:off x="0" y="0"/>
-          <a:ext cx="0" cy="0"/>
-          <a:chOff x="0" y="0"/>
-          <a:chExt cx="0" cy="0"/>
-        </a:xfrm>
-      </p:grpSpPr>
-      <p:sp>
-        <p:nvSpPr>
-          <p:cNvPr id="6" name="Rectangle: Diagonal Corners Rounded 5">
-            <a:extLst>
-              <a:ext uri="{FF2B5EF4-FFF2-40B4-BE49-F238E27FC236}">
-                <a16:creationId xmlns:a16="http://schemas.microsoft.com/office/drawing/2014/main" id="{C4496948-0DEB-486F-9597-243B4F224721}"/>
-              </a:ext>
-            </a:extLst>
-          </p:cNvPr>
-          <p:cNvSpPr/>
-          <p:nvPr/>
-        </p:nvSpPr>
-        <p:spPr>
-          <a:xfrm>
-            <a:off x="1908313" y="1656521"/>
-            <a:ext cx="7763679" cy="5001761"/>
-          </a:xfrm>
-          <a:prstGeom prst="round2DiagRect">
-            <a:avLst/>
-          </a:prstGeom>
-          <a:solidFill>
-            <a:schemeClr val="tx1"/>
-          </a:solidFill>
-          <a:ln>
-            <a:solidFill>
-              <a:schemeClr val="tx1"/>
-            </a:solidFill>
-          </a:ln>
-        </p:spPr>
-        <p:style>
-          <a:lnRef idx="2">
-            <a:schemeClr val="accent1">
-              <a:shade val="50000"/>
-            </a:schemeClr>
-          </a:lnRef>
-          <a:fillRef idx="1">
-            <a:schemeClr val="accent1"/>
-          </a:fillRef>
-          <a:effectRef idx="0">
-            <a:schemeClr val="accent1"/>
-          </a:effectRef>
-          <a:fontRef idx="minor">
-            <a:schemeClr val="lt1"/>
-          </a:fontRef>
-        </p:style>
-        <p:txBody>
-          <a:bodyPr rtlCol="0" anchor="ctr"/>
-          <a:lstStyle/>
-          <a:p>
-            <a:pPr algn="ctr"/>
-            <a:endParaRPr lang="en-IN"/>
-          </a:p>
-        </p:txBody>
-      </p:sp>
-      <p:sp>
-        <p:nvSpPr>
-          <p:cNvPr id="2" name="Title 1">
-            <a:extLst>
-              <a:ext uri="{FF2B5EF4-FFF2-40B4-BE49-F238E27FC236}">
-                <a16:creationId xmlns:a16="http://schemas.microsoft.com/office/drawing/2014/main" id="{4E896739-4910-4CE5-92A8-07BB9DA11E37}"/>
-              </a:ext>
-            </a:extLst>
-          </p:cNvPr>
-          <p:cNvSpPr>
-            <a:spLocks noGrp="1"/>
-          </p:cNvSpPr>
-          <p:nvPr>
-            <p:ph type="title"/>
-          </p:nvPr>
-        </p:nvSpPr>
-        <p:spPr/>
-        <p:txBody>
-          <a:bodyPr/>
-          <a:lstStyle/>
-          <a:p>
-            <a:r>
-              <a:rPr lang="en-US" dirty="0"/>
-              <a:t>Reference </a:t>
-            </a:r>
-            <a:endParaRPr lang="en-IN" dirty="0"/>
-          </a:p>
-        </p:txBody>
-      </p:sp>
-      <p:pic>
-        <p:nvPicPr>
-          <p:cNvPr id="5" name="Content Placeholder 4">
-            <a:extLst>
-              <a:ext uri="{FF2B5EF4-FFF2-40B4-BE49-F238E27FC236}">
-                <a16:creationId xmlns:a16="http://schemas.microsoft.com/office/drawing/2014/main" id="{50666C4D-7424-4220-AECF-216FBAC465FB}"/>
-              </a:ext>
-            </a:extLst>
-          </p:cNvPr>
-          <p:cNvPicPr>
-            <a:picLocks noGrp="1" noChangeAspect="1"/>
-          </p:cNvPicPr>
-          <p:nvPr>
-            <p:ph idx="1"/>
-          </p:nvPr>
-        </p:nvPicPr>
-        <p:blipFill rotWithShape="1">
-          <a:blip r:embed="rId2"/>
-          <a:srcRect t="3215"/>
-          <a:stretch/>
-        </p:blipFill>
-        <p:spPr>
-          <a:xfrm>
-            <a:off x="2520008" y="1835424"/>
-            <a:ext cx="6688158" cy="4643953"/>
-          </a:xfrm>
-        </p:spPr>
-      </p:pic>
-    </p:spTree>
-    <p:extLst>
-      <p:ext uri="{BB962C8B-B14F-4D97-AF65-F5344CB8AC3E}">
-        <p14:creationId xmlns:p14="http://schemas.microsoft.com/office/powerpoint/2010/main" val="2100233804"/>
-      </p:ext>
-    </p:extLst>
-  </p:cSld>
-  <p:clrMapOvr>
-    <a:masterClrMapping/>
-  </p:clrMapOvr>
-</p:sld>
-</file>
-
-<file path=ppt/slides/slide3.xml><?xml version="1.0" encoding="utf-8"?>
-<p:sld xmlns:a="http://schemas.openxmlformats.org/drawingml/2006/main" xmlns:r="http://schemas.openxmlformats.org/officeDocument/2006/relationships" xmlns:p="http://schemas.openxmlformats.org/presentationml/2006/main">
-  <p:cSld>
-    <p:spTree>
-      <p:nvGrpSpPr>
-        <p:cNvPr id="1" name=""/>
-        <p:cNvGrpSpPr/>
-        <p:nvPr/>
-      </p:nvGrpSpPr>
-      <p:grpSpPr>
-        <a:xfrm>
-          <a:off x="0" y="0"/>
-          <a:ext cx="0" cy="0"/>
-          <a:chOff x="0" y="0"/>
-          <a:chExt cx="0" cy="0"/>
-        </a:xfrm>
-      </p:grpSpPr>
-      <p:sp>
-        <p:nvSpPr>
-          <p:cNvPr id="2" name="Title 1">
-            <a:extLst>
-              <a:ext uri="{FF2B5EF4-FFF2-40B4-BE49-F238E27FC236}">
-                <a16:creationId xmlns:a16="http://schemas.microsoft.com/office/drawing/2014/main" id="{DDE24F7D-56E8-40B3-894C-E9B6289DB559}"/>
-              </a:ext>
-            </a:extLst>
-          </p:cNvPr>
-          <p:cNvSpPr>
-            <a:spLocks noGrp="1"/>
-          </p:cNvSpPr>
-          <p:nvPr>
-            <p:ph type="title"/>
-          </p:nvPr>
-        </p:nvSpPr>
-        <p:spPr/>
-        <p:txBody>
-          <a:bodyPr/>
-          <a:lstStyle/>
-          <a:p>
-            <a:r>
-              <a:rPr lang="en-US" dirty="0"/>
-              <a:t>Users</a:t>
-            </a:r>
-            <a:endParaRPr lang="en-IN" dirty="0"/>
-          </a:p>
-        </p:txBody>
-      </p:sp>
-      <p:sp>
-        <p:nvSpPr>
-          <p:cNvPr id="3" name="Content Placeholder 2">
-            <a:extLst>
-              <a:ext uri="{FF2B5EF4-FFF2-40B4-BE49-F238E27FC236}">
-                <a16:creationId xmlns:a16="http://schemas.microsoft.com/office/drawing/2014/main" id="{E22DB467-EF25-451E-BF79-615D4B3DF74C}"/>
-              </a:ext>
-            </a:extLst>
-          </p:cNvPr>
-          <p:cNvSpPr>
-            <a:spLocks noGrp="1"/>
-          </p:cNvSpPr>
-          <p:nvPr>
-            <p:ph idx="1"/>
-          </p:nvPr>
-        </p:nvSpPr>
-        <p:spPr/>
-        <p:txBody>
-          <a:bodyPr/>
-          <a:lstStyle/>
-          <a:p>
-            <a:r>
-              <a:rPr lang="en-US" dirty="0"/>
-              <a:t>Admin</a:t>
-            </a:r>
-          </a:p>
-          <a:p>
-            <a:r>
-              <a:rPr lang="en-US" dirty="0"/>
-              <a:t>Supervisor</a:t>
-            </a:r>
-          </a:p>
-          <a:p>
-            <a:r>
-              <a:rPr lang="en-US" dirty="0"/>
-              <a:t>End User</a:t>
-            </a:r>
-          </a:p>
-          <a:p>
-            <a:endParaRPr lang="en-IN" dirty="0"/>
-          </a:p>
-        </p:txBody>
-      </p:sp>
-    </p:spTree>
-    <p:extLst>
-      <p:ext uri="{BB962C8B-B14F-4D97-AF65-F5344CB8AC3E}">
-        <p14:creationId xmlns:p14="http://schemas.microsoft.com/office/powerpoint/2010/main" val="1927851145"/>
-      </p:ext>
-    </p:extLst>
-  </p:cSld>
-  <p:clrMapOvr>
-    <a:masterClrMapping/>
-  </p:clrMapOvr>
-</p:sld>
-</file>
-
-<file path=ppt/slides/slide4.xml><?xml version="1.0" encoding="utf-8"?>
-<p:sld xmlns:a="http://schemas.openxmlformats.org/drawingml/2006/main" xmlns:r="http://schemas.openxmlformats.org/officeDocument/2006/relationships" xmlns:p="http://schemas.openxmlformats.org/presentationml/2006/main">
-  <p:cSld>
-    <p:spTree>
-      <p:nvGrpSpPr>
-        <p:cNvPr id="1" name=""/>
-        <p:cNvGrpSpPr/>
-        <p:nvPr/>
-      </p:nvGrpSpPr>
-      <p:grpSpPr>
-        <a:xfrm>
-          <a:off x="0" y="0"/>
-          <a:ext cx="0" cy="0"/>
-          <a:chOff x="0" y="0"/>
-          <a:chExt cx="0" cy="0"/>
-        </a:xfrm>
-      </p:grpSpPr>
-      <p:sp>
-        <p:nvSpPr>
-          <p:cNvPr id="2" name="Title 1">
-            <a:extLst>
-              <a:ext uri="{FF2B5EF4-FFF2-40B4-BE49-F238E27FC236}">
-                <a16:creationId xmlns:a16="http://schemas.microsoft.com/office/drawing/2014/main" id="{340B7F4D-2C0E-4338-8FA2-265C2F004A7C}"/>
-              </a:ext>
-            </a:extLst>
-          </p:cNvPr>
-          <p:cNvSpPr>
-            <a:spLocks noGrp="1"/>
-          </p:cNvSpPr>
-          <p:nvPr>
-            <p:ph type="title"/>
-          </p:nvPr>
-        </p:nvSpPr>
-        <p:spPr/>
-        <p:txBody>
-          <a:bodyPr/>
-          <a:lstStyle/>
-          <a:p>
-            <a:r>
-              <a:rPr lang="en-US" dirty="0"/>
-              <a:t>Admin</a:t>
-            </a:r>
-            <a:endParaRPr lang="en-IN" dirty="0"/>
-          </a:p>
-        </p:txBody>
-      </p:sp>
-      <p:sp>
-        <p:nvSpPr>
-          <p:cNvPr id="3" name="Content Placeholder 2">
-            <a:extLst>
-              <a:ext uri="{FF2B5EF4-FFF2-40B4-BE49-F238E27FC236}">
-                <a16:creationId xmlns:a16="http://schemas.microsoft.com/office/drawing/2014/main" id="{33B25887-F051-4194-8ACC-5AA783816D89}"/>
-              </a:ext>
-            </a:extLst>
-          </p:cNvPr>
-          <p:cNvSpPr>
-            <a:spLocks noGrp="1"/>
-          </p:cNvSpPr>
-          <p:nvPr>
-            <p:ph idx="1"/>
-          </p:nvPr>
-        </p:nvSpPr>
-        <p:spPr/>
-        <p:txBody>
-          <a:bodyPr/>
-          <a:lstStyle/>
-          <a:p>
-            <a:r>
-              <a:rPr lang="en-US" dirty="0"/>
-              <a:t>Have access to everything.</a:t>
-            </a:r>
-          </a:p>
-          <a:p>
-            <a:r>
-              <a:rPr lang="en-US" dirty="0"/>
-              <a:t>Special access over questions.</a:t>
-            </a:r>
-          </a:p>
-          <a:p>
-            <a:r>
-              <a:rPr lang="en-US" dirty="0"/>
-              <a:t>Can mark user’s answers as </a:t>
-            </a:r>
-            <a:r>
-              <a:rPr lang="en-US" b="1" dirty="0"/>
-              <a:t>FEATURED.</a:t>
-            </a:r>
-          </a:p>
-          <a:p>
-            <a:r>
-              <a:rPr lang="en-US" dirty="0"/>
-              <a:t>Can add/delete questions/answers.</a:t>
-            </a:r>
-          </a:p>
-          <a:p>
-            <a:endParaRPr lang="en-US" dirty="0"/>
-          </a:p>
-          <a:p>
-            <a:endParaRPr lang="en-IN" dirty="0"/>
-          </a:p>
-        </p:txBody>
-      </p:sp>
-    </p:spTree>
-    <p:extLst>
-      <p:ext uri="{BB962C8B-B14F-4D97-AF65-F5344CB8AC3E}">
-        <p14:creationId xmlns:p14="http://schemas.microsoft.com/office/powerpoint/2010/main" val="2509595083"/>
-      </p:ext>
-    </p:extLst>
-  </p:cSld>
-  <p:clrMapOvr>
-    <a:masterClrMapping/>
-  </p:clrMapOvr>
-</p:sld>
-</file>
-
-<file path=ppt/slides/slide5.xml><?xml version="1.0" encoding="utf-8"?>
-<p:sld xmlns:a="http://schemas.openxmlformats.org/drawingml/2006/main" xmlns:r="http://schemas.openxmlformats.org/officeDocument/2006/relationships" xmlns:p="http://schemas.openxmlformats.org/presentationml/2006/main">
-  <p:cSld>
-    <p:spTree>
-      <p:nvGrpSpPr>
-        <p:cNvPr id="1" name=""/>
-        <p:cNvGrpSpPr/>
-        <p:nvPr/>
-      </p:nvGrpSpPr>
-      <p:grpSpPr>
-        <a:xfrm>
-          <a:off x="0" y="0"/>
-          <a:ext cx="0" cy="0"/>
-          <a:chOff x="0" y="0"/>
-          <a:chExt cx="0" cy="0"/>
-        </a:xfrm>
-      </p:grpSpPr>
-      <p:sp>
-        <p:nvSpPr>
-          <p:cNvPr id="2" name="Title 1">
-            <a:extLst>
-              <a:ext uri="{FF2B5EF4-FFF2-40B4-BE49-F238E27FC236}">
-                <a16:creationId xmlns:a16="http://schemas.microsoft.com/office/drawing/2014/main" id="{340B7F4D-2C0E-4338-8FA2-265C2F004A7C}"/>
-              </a:ext>
-            </a:extLst>
-          </p:cNvPr>
-          <p:cNvSpPr>
-            <a:spLocks noGrp="1"/>
-          </p:cNvSpPr>
-          <p:nvPr>
-            <p:ph type="title"/>
-          </p:nvPr>
-        </p:nvSpPr>
-        <p:spPr/>
-        <p:txBody>
-          <a:bodyPr/>
-          <a:lstStyle/>
-          <a:p>
-            <a:r>
-              <a:rPr lang="en-US" dirty="0"/>
-              <a:t>Supervisor</a:t>
-            </a:r>
-            <a:endParaRPr lang="en-IN" dirty="0"/>
-          </a:p>
-        </p:txBody>
-      </p:sp>
-      <p:sp>
-        <p:nvSpPr>
-          <p:cNvPr id="3" name="Content Placeholder 2">
-            <a:extLst>
-              <a:ext uri="{FF2B5EF4-FFF2-40B4-BE49-F238E27FC236}">
-                <a16:creationId xmlns:a16="http://schemas.microsoft.com/office/drawing/2014/main" id="{33B25887-F051-4194-8ACC-5AA783816D89}"/>
-              </a:ext>
-            </a:extLst>
-          </p:cNvPr>
-          <p:cNvSpPr>
-            <a:spLocks noGrp="1"/>
-          </p:cNvSpPr>
-          <p:nvPr>
-            <p:ph idx="1"/>
-          </p:nvPr>
-        </p:nvSpPr>
-        <p:spPr/>
-        <p:txBody>
-          <a:bodyPr/>
-          <a:lstStyle/>
-          <a:p>
-            <a:r>
-              <a:rPr lang="en-US" dirty="0"/>
-              <a:t>Can review questions. (Mark their vote)</a:t>
-            </a:r>
-          </a:p>
-          <a:p>
-            <a:r>
-              <a:rPr lang="en-US" dirty="0"/>
-              <a:t>Special access over questions.</a:t>
-            </a:r>
-          </a:p>
-          <a:p>
-            <a:r>
-              <a:rPr lang="en-US" dirty="0"/>
-              <a:t>Can make user’s answers as </a:t>
-            </a:r>
-            <a:r>
-              <a:rPr lang="en-US" b="1" dirty="0"/>
-              <a:t>FEATURED.</a:t>
-            </a:r>
-          </a:p>
-          <a:p>
-            <a:r>
-              <a:rPr lang="en-US" dirty="0"/>
-              <a:t>Can add/delete answers.</a:t>
-            </a:r>
-            <a:endParaRPr lang="en-IN" dirty="0"/>
-          </a:p>
-        </p:txBody>
-      </p:sp>
-    </p:spTree>
-    <p:extLst>
-      <p:ext uri="{BB962C8B-B14F-4D97-AF65-F5344CB8AC3E}">
-        <p14:creationId xmlns:p14="http://schemas.microsoft.com/office/powerpoint/2010/main" val="1897463448"/>
-      </p:ext>
-    </p:extLst>
-  </p:cSld>
-  <p:clrMapOvr>
-    <a:masterClrMapping/>
-  </p:clrMapOvr>
-</p:sld>
-</file>
-
-<file path=ppt/slides/slide6.xml><?xml version="1.0" encoding="utf-8"?>
-<p:sld xmlns:a="http://schemas.openxmlformats.org/drawingml/2006/main" xmlns:r="http://schemas.openxmlformats.org/officeDocument/2006/relationships" xmlns:p="http://schemas.openxmlformats.org/presentationml/2006/main">
-  <p:cSld>
-    <p:spTree>
-      <p:nvGrpSpPr>
-        <p:cNvPr id="1" name=""/>
-        <p:cNvGrpSpPr/>
-        <p:nvPr/>
-      </p:nvGrpSpPr>
-      <p:grpSpPr>
-        <a:xfrm>
-          <a:off x="0" y="0"/>
-          <a:ext cx="0" cy="0"/>
-          <a:chOff x="0" y="0"/>
-          <a:chExt cx="0" cy="0"/>
-        </a:xfrm>
-      </p:grpSpPr>
-      <p:sp>
-        <p:nvSpPr>
-          <p:cNvPr id="2" name="Title 1">
-            <a:extLst>
-              <a:ext uri="{FF2B5EF4-FFF2-40B4-BE49-F238E27FC236}">
-                <a16:creationId xmlns:a16="http://schemas.microsoft.com/office/drawing/2014/main" id="{340B7F4D-2C0E-4338-8FA2-265C2F004A7C}"/>
-              </a:ext>
-            </a:extLst>
-          </p:cNvPr>
-          <p:cNvSpPr>
-            <a:spLocks noGrp="1"/>
-          </p:cNvSpPr>
-          <p:nvPr>
-            <p:ph type="title"/>
-          </p:nvPr>
-        </p:nvSpPr>
-        <p:spPr/>
-        <p:txBody>
-          <a:bodyPr/>
-          <a:lstStyle/>
-          <a:p>
-            <a:r>
-              <a:rPr lang="en-US" dirty="0"/>
-              <a:t>End user</a:t>
-            </a:r>
-            <a:endParaRPr lang="en-IN" dirty="0"/>
-          </a:p>
-        </p:txBody>
-      </p:sp>
-      <p:sp>
-        <p:nvSpPr>
-          <p:cNvPr id="3" name="Content Placeholder 2">
-            <a:extLst>
-              <a:ext uri="{FF2B5EF4-FFF2-40B4-BE49-F238E27FC236}">
-                <a16:creationId xmlns:a16="http://schemas.microsoft.com/office/drawing/2014/main" id="{33B25887-F051-4194-8ACC-5AA783816D89}"/>
-              </a:ext>
-            </a:extLst>
-          </p:cNvPr>
-          <p:cNvSpPr>
-            <a:spLocks noGrp="1"/>
-          </p:cNvSpPr>
-          <p:nvPr>
-            <p:ph idx="1"/>
-          </p:nvPr>
-        </p:nvSpPr>
-        <p:spPr/>
-        <p:txBody>
-          <a:bodyPr/>
-          <a:lstStyle/>
-          <a:p>
-            <a:r>
-              <a:rPr lang="en-US" dirty="0"/>
-              <a:t>Can see questions and answers</a:t>
-            </a:r>
-          </a:p>
-          <a:p>
-            <a:r>
-              <a:rPr lang="en-US" dirty="0"/>
-              <a:t>Can add question/answers</a:t>
-            </a:r>
-          </a:p>
-          <a:p>
-            <a:r>
-              <a:rPr lang="en-US" dirty="0"/>
-              <a:t>Mark vote on answers.</a:t>
-            </a:r>
-          </a:p>
-          <a:p>
-            <a:endParaRPr lang="en-IN" dirty="0"/>
-          </a:p>
-        </p:txBody>
-      </p:sp>
-    </p:spTree>
-    <p:extLst>
-      <p:ext uri="{BB962C8B-B14F-4D97-AF65-F5344CB8AC3E}">
-        <p14:creationId xmlns:p14="http://schemas.microsoft.com/office/powerpoint/2010/main" val="261737033"/>
-      </p:ext>
-    </p:extLst>
-  </p:cSld>
-  <p:clrMapOvr>
-    <a:masterClrMapping/>
-  </p:clrMapOvr>
-</p:sld>
-</file>
-
-<file path=ppt/slides/slide7.xml><?xml version="1.0" encoding="utf-8"?>
 <p:sld xmlns:a="http://schemas.openxmlformats.org/drawingml/2006/main" xmlns:r="http://schemas.openxmlformats.org/officeDocument/2006/relationships" xmlns:p="http://schemas.openxmlformats.org/presentationml/2006/main">
   <p:cSld>
     <p:spTree>
@@ -13471,6 +12636,18 @@
               <a:rPr lang="en-US" dirty="0"/>
               <a:t>Answers</a:t>
             </a:r>
+          </a:p>
+          <a:p>
+            <a:r>
+              <a:rPr lang="en-US" dirty="0"/>
+              <a:t>Subject</a:t>
+            </a:r>
+          </a:p>
+          <a:p>
+            <a:r>
+              <a:rPr lang="en-US" dirty="0"/>
+              <a:t>Subject Subcategory</a:t>
+            </a:r>
             <a:endParaRPr lang="en-IN" dirty="0"/>
           </a:p>
         </p:txBody>
@@ -13488,7 +12665,7 @@
 </p:sld>
 </file>
 
-<file path=ppt/slides/slide8.xml><?xml version="1.0" encoding="utf-8"?>
+<file path=ppt/slides/slide11.xml><?xml version="1.0" encoding="utf-8"?>
 <p:sld xmlns:a="http://schemas.openxmlformats.org/drawingml/2006/main" xmlns:r="http://schemas.openxmlformats.org/officeDocument/2006/relationships" xmlns:p="http://schemas.openxmlformats.org/presentationml/2006/main">
   <p:cSld>
     <p:spTree>
@@ -13854,7 +13031,7 @@
 </p:sld>
 </file>
 
-<file path=ppt/slides/slide9.xml><?xml version="1.0" encoding="utf-8"?>
+<file path=ppt/slides/slide12.xml><?xml version="1.0" encoding="utf-8"?>
 <p:sld xmlns:a="http://schemas.openxmlformats.org/drawingml/2006/main" xmlns:r="http://schemas.openxmlformats.org/officeDocument/2006/relationships" xmlns:p="http://schemas.openxmlformats.org/presentationml/2006/main">
   <p:cSld>
     <p:spTree>
@@ -13916,14 +13093,14 @@
             <p:ph idx="1"/>
             <p:extLst>
               <p:ext uri="{D42A27DB-BD31-4B8C-83A1-F6EECF244321}">
-                <p14:modId xmlns:p14="http://schemas.microsoft.com/office/powerpoint/2010/main" val="615678837"/>
+                <p14:modId xmlns:p14="http://schemas.microsoft.com/office/powerpoint/2010/main" val="1195275881"/>
               </p:ext>
             </p:extLst>
           </p:nvPr>
         </p:nvGraphicFramePr>
         <p:xfrm>
-          <a:off x="1141413" y="2249488"/>
-          <a:ext cx="9906000" cy="1010920"/>
+          <a:off x="159027" y="2249488"/>
+          <a:ext cx="11807686" cy="949960"/>
         </p:xfrm>
         <a:graphic>
           <a:graphicData uri="http://schemas.openxmlformats.org/drawingml/2006/table">
@@ -13932,38 +13109,464 @@
                 <a:tableStyleId>{22838BEF-8BB2-4498-84A7-C5851F593DF1}</a:tableStyleId>
               </a:tblPr>
               <a:tblGrid>
-                <a:gridCol w="1981200">
+                <a:gridCol w="1385534">
                   <a:extLst>
                     <a:ext uri="{9D8B030D-6E8A-4147-A177-3AD203B41FA5}">
                       <a16:colId xmlns:a16="http://schemas.microsoft.com/office/drawing/2014/main" val="2624588619"/>
                     </a:ext>
                   </a:extLst>
                 </a:gridCol>
-                <a:gridCol w="1981200">
+                <a:gridCol w="1140308">
                   <a:extLst>
                     <a:ext uri="{9D8B030D-6E8A-4147-A177-3AD203B41FA5}">
                       <a16:colId xmlns:a16="http://schemas.microsoft.com/office/drawing/2014/main" val="2692074005"/>
                     </a:ext>
                   </a:extLst>
                 </a:gridCol>
-                <a:gridCol w="1981200">
+                <a:gridCol w="1397795">
+                  <a:extLst>
+                    <a:ext uri="{9D8B030D-6E8A-4147-A177-3AD203B41FA5}">
+                      <a16:colId xmlns:a16="http://schemas.microsoft.com/office/drawing/2014/main" val="3305394537"/>
+                    </a:ext>
+                  </a:extLst>
+                </a:gridCol>
+                <a:gridCol w="1863728">
+                  <a:extLst>
+                    <a:ext uri="{9D8B030D-6E8A-4147-A177-3AD203B41FA5}">
+                      <a16:colId xmlns:a16="http://schemas.microsoft.com/office/drawing/2014/main" val="371199460"/>
+                    </a:ext>
+                  </a:extLst>
+                </a:gridCol>
+                <a:gridCol w="1397795">
                   <a:extLst>
                     <a:ext uri="{9D8B030D-6E8A-4147-A177-3AD203B41FA5}">
                       <a16:colId xmlns:a16="http://schemas.microsoft.com/office/drawing/2014/main" val="2606983172"/>
                     </a:ext>
                   </a:extLst>
                 </a:gridCol>
-                <a:gridCol w="1981200">
+                <a:gridCol w="1875988">
                   <a:extLst>
                     <a:ext uri="{9D8B030D-6E8A-4147-A177-3AD203B41FA5}">
                       <a16:colId xmlns:a16="http://schemas.microsoft.com/office/drawing/2014/main" val="3690607145"/>
                     </a:ext>
                   </a:extLst>
                 </a:gridCol>
-                <a:gridCol w="1981200">
+                <a:gridCol w="1373269">
                   <a:extLst>
                     <a:ext uri="{9D8B030D-6E8A-4147-A177-3AD203B41FA5}">
                       <a16:colId xmlns:a16="http://schemas.microsoft.com/office/drawing/2014/main" val="2944792196"/>
+                    </a:ext>
+                  </a:extLst>
+                </a:gridCol>
+                <a:gridCol w="1373269">
+                  <a:extLst>
+                    <a:ext uri="{9D8B030D-6E8A-4147-A177-3AD203B41FA5}">
+                      <a16:colId xmlns:a16="http://schemas.microsoft.com/office/drawing/2014/main" val="1327624138"/>
+                    </a:ext>
+                  </a:extLst>
+                </a:gridCol>
+              </a:tblGrid>
+              <a:tr h="370840">
+                <a:tc>
+                  <a:txBody>
+                    <a:bodyPr/>
+                    <a:lstStyle/>
+                    <a:p>
+                      <a:r>
+                        <a:rPr lang="en-US" sz="1600" dirty="0" err="1"/>
+                        <a:t>QuestionId</a:t>
+                      </a:r>
+                      <a:r>
+                        <a:rPr lang="en-US" sz="1600" dirty="0"/>
+                        <a:t>(P)</a:t>
+                      </a:r>
+                      <a:endParaRPr lang="en-IN" sz="1600" dirty="0"/>
+                    </a:p>
+                  </a:txBody>
+                  <a:tcPr/>
+                </a:tc>
+                <a:tc>
+                  <a:txBody>
+                    <a:bodyPr/>
+                    <a:lstStyle/>
+                    <a:p>
+                      <a:r>
+                        <a:rPr lang="en-US" sz="1600" dirty="0" err="1"/>
+                        <a:t>UserId</a:t>
+                      </a:r>
+                      <a:r>
+                        <a:rPr lang="en-US" sz="1600" dirty="0"/>
+                        <a:t>(FK)</a:t>
+                      </a:r>
+                      <a:endParaRPr lang="en-IN" sz="1600" dirty="0"/>
+                    </a:p>
+                  </a:txBody>
+                  <a:tcPr/>
+                </a:tc>
+                <a:tc>
+                  <a:txBody>
+                    <a:bodyPr/>
+                    <a:lstStyle/>
+                    <a:p>
+                      <a:r>
+                        <a:rPr lang="en-US" sz="1600" dirty="0" err="1"/>
+                        <a:t>SubjectId</a:t>
+                      </a:r>
+                      <a:r>
+                        <a:rPr lang="en-US" sz="1600" dirty="0"/>
+                        <a:t>(FK)</a:t>
+                      </a:r>
+                      <a:endParaRPr lang="en-IN" sz="1600" dirty="0"/>
+                    </a:p>
+                  </a:txBody>
+                  <a:tcPr/>
+                </a:tc>
+                <a:tc>
+                  <a:txBody>
+                    <a:bodyPr/>
+                    <a:lstStyle/>
+                    <a:p>
+                      <a:pPr marL="0" marR="0" lvl="0" indent="0" algn="l" defTabSz="914400" rtl="0" eaLnBrk="1" fontAlgn="auto" latinLnBrk="0" hangingPunct="1">
+                        <a:lnSpc>
+                          <a:spcPct val="100000"/>
+                        </a:lnSpc>
+                        <a:spcBef>
+                          <a:spcPts val="0"/>
+                        </a:spcBef>
+                        <a:spcAft>
+                          <a:spcPts val="0"/>
+                        </a:spcAft>
+                        <a:buClrTx/>
+                        <a:buSzTx/>
+                        <a:buFontTx/>
+                        <a:buNone/>
+                        <a:tabLst/>
+                        <a:defRPr/>
+                      </a:pPr>
+                      <a:r>
+                        <a:rPr lang="en-US" sz="1600" dirty="0" err="1"/>
+                        <a:t>SubCategoryId</a:t>
+                      </a:r>
+                      <a:r>
+                        <a:rPr lang="en-US" sz="1600" dirty="0"/>
+                        <a:t>(FK)</a:t>
+                      </a:r>
+                      <a:endParaRPr lang="en-IN" sz="1600" dirty="0"/>
+                    </a:p>
+                    <a:p>
+                      <a:endParaRPr lang="en-IN" sz="1600" dirty="0"/>
+                    </a:p>
+                  </a:txBody>
+                  <a:tcPr/>
+                </a:tc>
+                <a:tc>
+                  <a:txBody>
+                    <a:bodyPr/>
+                    <a:lstStyle/>
+                    <a:p>
+                      <a:r>
+                        <a:rPr lang="en-US" sz="1600" dirty="0" err="1"/>
+                        <a:t>QuestionTitle</a:t>
+                      </a:r>
+                      <a:endParaRPr lang="en-IN" sz="1600" dirty="0"/>
+                    </a:p>
+                  </a:txBody>
+                  <a:tcPr/>
+                </a:tc>
+                <a:tc>
+                  <a:txBody>
+                    <a:bodyPr/>
+                    <a:lstStyle/>
+                    <a:p>
+                      <a:r>
+                        <a:rPr lang="en-US" sz="1600" dirty="0" err="1"/>
+                        <a:t>QuestionDescription</a:t>
+                      </a:r>
+                      <a:endParaRPr lang="en-IN" sz="1600" dirty="0"/>
+                    </a:p>
+                  </a:txBody>
+                  <a:tcPr/>
+                </a:tc>
+                <a:tc>
+                  <a:txBody>
+                    <a:bodyPr/>
+                    <a:lstStyle/>
+                    <a:p>
+                      <a:r>
+                        <a:rPr lang="en-US" sz="1600" dirty="0" err="1"/>
+                        <a:t>AnswerCount</a:t>
+                      </a:r>
+                      <a:endParaRPr lang="en-IN" sz="1600" dirty="0"/>
+                    </a:p>
+                  </a:txBody>
+                  <a:tcPr/>
+                </a:tc>
+                <a:tc>
+                  <a:txBody>
+                    <a:bodyPr/>
+                    <a:lstStyle/>
+                    <a:p>
+                      <a:r>
+                        <a:rPr lang="en-US" sz="1600" dirty="0"/>
+                        <a:t>Timestamp</a:t>
+                      </a:r>
+                      <a:endParaRPr lang="en-IN" sz="1600" dirty="0"/>
+                    </a:p>
+                  </a:txBody>
+                  <a:tcPr/>
+                </a:tc>
+                <a:extLst>
+                  <a:ext uri="{0D108BD9-81ED-4DB2-BD59-A6C34878D82A}">
+                    <a16:rowId xmlns:a16="http://schemas.microsoft.com/office/drawing/2014/main" val="2091360046"/>
+                  </a:ext>
+                </a:extLst>
+              </a:tr>
+              <a:tr h="370840">
+                <a:tc>
+                  <a:txBody>
+                    <a:bodyPr/>
+                    <a:lstStyle/>
+                    <a:p>
+                      <a:r>
+                        <a:rPr lang="en-US" sz="1600" dirty="0"/>
+                        <a:t>GUID</a:t>
+                      </a:r>
+                      <a:endParaRPr lang="en-IN" sz="1600" dirty="0"/>
+                    </a:p>
+                  </a:txBody>
+                  <a:tcPr/>
+                </a:tc>
+                <a:tc>
+                  <a:txBody>
+                    <a:bodyPr/>
+                    <a:lstStyle/>
+                    <a:p>
+                      <a:r>
+                        <a:rPr lang="en-US" sz="1600" dirty="0"/>
+                        <a:t>GUID</a:t>
+                      </a:r>
+                      <a:endParaRPr lang="en-IN" sz="1600" dirty="0"/>
+                    </a:p>
+                  </a:txBody>
+                  <a:tcPr/>
+                </a:tc>
+                <a:tc>
+                  <a:txBody>
+                    <a:bodyPr/>
+                    <a:lstStyle/>
+                    <a:p>
+                      <a:r>
+                        <a:rPr lang="en-US" sz="1600" dirty="0"/>
+                        <a:t>GUID</a:t>
+                      </a:r>
+                      <a:endParaRPr lang="en-IN" sz="1600" dirty="0"/>
+                    </a:p>
+                  </a:txBody>
+                  <a:tcPr/>
+                </a:tc>
+                <a:tc>
+                  <a:txBody>
+                    <a:bodyPr/>
+                    <a:lstStyle/>
+                    <a:p>
+                      <a:r>
+                        <a:rPr lang="en-US" sz="1600" dirty="0"/>
+                        <a:t>GUID</a:t>
+                      </a:r>
+                      <a:endParaRPr lang="en-IN" sz="1600" dirty="0"/>
+                    </a:p>
+                  </a:txBody>
+                  <a:tcPr/>
+                </a:tc>
+                <a:tc>
+                  <a:txBody>
+                    <a:bodyPr/>
+                    <a:lstStyle/>
+                    <a:p>
+                      <a:r>
+                        <a:rPr lang="en-US" sz="1600" dirty="0"/>
+                        <a:t>STRING</a:t>
+                      </a:r>
+                      <a:endParaRPr lang="en-IN" sz="1600" dirty="0"/>
+                    </a:p>
+                  </a:txBody>
+                  <a:tcPr/>
+                </a:tc>
+                <a:tc>
+                  <a:txBody>
+                    <a:bodyPr/>
+                    <a:lstStyle/>
+                    <a:p>
+                      <a:r>
+                        <a:rPr lang="en-US" sz="1600" dirty="0"/>
+                        <a:t>STRING</a:t>
+                      </a:r>
+                      <a:endParaRPr lang="en-IN" sz="1600" dirty="0"/>
+                    </a:p>
+                  </a:txBody>
+                  <a:tcPr/>
+                </a:tc>
+                <a:tc>
+                  <a:txBody>
+                    <a:bodyPr/>
+                    <a:lstStyle/>
+                    <a:p>
+                      <a:r>
+                        <a:rPr lang="en-US" sz="1600" dirty="0"/>
+                        <a:t>INT</a:t>
+                      </a:r>
+                      <a:endParaRPr lang="en-IN" sz="1600" dirty="0"/>
+                    </a:p>
+                  </a:txBody>
+                  <a:tcPr/>
+                </a:tc>
+                <a:tc>
+                  <a:txBody>
+                    <a:bodyPr/>
+                    <a:lstStyle/>
+                    <a:p>
+                      <a:r>
+                        <a:rPr lang="en-US" sz="1600" dirty="0" err="1"/>
+                        <a:t>DateString</a:t>
+                      </a:r>
+                      <a:endParaRPr lang="en-IN" sz="1600" dirty="0"/>
+                    </a:p>
+                  </a:txBody>
+                  <a:tcPr/>
+                </a:tc>
+                <a:extLst>
+                  <a:ext uri="{0D108BD9-81ED-4DB2-BD59-A6C34878D82A}">
+                    <a16:rowId xmlns:a16="http://schemas.microsoft.com/office/drawing/2014/main" val="2137518724"/>
+                  </a:ext>
+                </a:extLst>
+              </a:tr>
+            </a:tbl>
+          </a:graphicData>
+        </a:graphic>
+      </p:graphicFrame>
+    </p:spTree>
+    <p:extLst>
+      <p:ext uri="{BB962C8B-B14F-4D97-AF65-F5344CB8AC3E}">
+        <p14:creationId xmlns:p14="http://schemas.microsoft.com/office/powerpoint/2010/main" val="888946404"/>
+      </p:ext>
+    </p:extLst>
+  </p:cSld>
+  <p:clrMapOvr>
+    <a:masterClrMapping/>
+  </p:clrMapOvr>
+</p:sld>
+</file>
+
+<file path=ppt/slides/slide13.xml><?xml version="1.0" encoding="utf-8"?>
+<p:sld xmlns:a="http://schemas.openxmlformats.org/drawingml/2006/main" xmlns:r="http://schemas.openxmlformats.org/officeDocument/2006/relationships" xmlns:p="http://schemas.openxmlformats.org/presentationml/2006/main">
+  <p:cSld>
+    <p:spTree>
+      <p:nvGrpSpPr>
+        <p:cNvPr id="1" name=""/>
+        <p:cNvGrpSpPr/>
+        <p:nvPr/>
+      </p:nvGrpSpPr>
+      <p:grpSpPr>
+        <a:xfrm>
+          <a:off x="0" y="0"/>
+          <a:ext cx="0" cy="0"/>
+          <a:chOff x="0" y="0"/>
+          <a:chExt cx="0" cy="0"/>
+        </a:xfrm>
+      </p:grpSpPr>
+      <p:sp>
+        <p:nvSpPr>
+          <p:cNvPr id="2" name="Title 1">
+            <a:extLst>
+              <a:ext uri="{FF2B5EF4-FFF2-40B4-BE49-F238E27FC236}">
+                <a16:creationId xmlns:a16="http://schemas.microsoft.com/office/drawing/2014/main" id="{C75DBFD0-88C9-4684-AF3A-78E2157AC04F}"/>
+              </a:ext>
+            </a:extLst>
+          </p:cNvPr>
+          <p:cNvSpPr>
+            <a:spLocks noGrp="1"/>
+          </p:cNvSpPr>
+          <p:nvPr>
+            <p:ph type="title"/>
+          </p:nvPr>
+        </p:nvSpPr>
+        <p:spPr/>
+        <p:txBody>
+          <a:bodyPr/>
+          <a:lstStyle/>
+          <a:p>
+            <a:r>
+              <a:rPr lang="en-US" dirty="0"/>
+              <a:t>Answers table</a:t>
+            </a:r>
+            <a:endParaRPr lang="en-IN" dirty="0"/>
+          </a:p>
+        </p:txBody>
+      </p:sp>
+      <p:graphicFrame>
+        <p:nvGraphicFramePr>
+          <p:cNvPr id="4" name="Table 4">
+            <a:extLst>
+              <a:ext uri="{FF2B5EF4-FFF2-40B4-BE49-F238E27FC236}">
+                <a16:creationId xmlns:a16="http://schemas.microsoft.com/office/drawing/2014/main" id="{858936AF-8C70-48D1-8307-A78A70CFA7A3}"/>
+              </a:ext>
+            </a:extLst>
+          </p:cNvPr>
+          <p:cNvGraphicFramePr>
+            <a:graphicFrameLocks noGrp="1"/>
+          </p:cNvGraphicFramePr>
+          <p:nvPr>
+            <p:ph idx="1"/>
+            <p:extLst>
+              <p:ext uri="{D42A27DB-BD31-4B8C-83A1-F6EECF244321}">
+                <p14:modId xmlns:p14="http://schemas.microsoft.com/office/powerpoint/2010/main" val="1571281370"/>
+              </p:ext>
+            </p:extLst>
+          </p:nvPr>
+        </p:nvGraphicFramePr>
+        <p:xfrm>
+          <a:off x="1141412" y="2249488"/>
+          <a:ext cx="9102515" cy="1010920"/>
+        </p:xfrm>
+        <a:graphic>
+          <a:graphicData uri="http://schemas.openxmlformats.org/drawingml/2006/table">
+            <a:tbl>
+              <a:tblPr firstRow="1" bandRow="1">
+                <a:tableStyleId>{22838BEF-8BB2-4498-84A7-C5851F593DF1}</a:tableStyleId>
+              </a:tblPr>
+              <a:tblGrid>
+                <a:gridCol w="1820503">
+                  <a:extLst>
+                    <a:ext uri="{9D8B030D-6E8A-4147-A177-3AD203B41FA5}">
+                      <a16:colId xmlns:a16="http://schemas.microsoft.com/office/drawing/2014/main" val="2624588619"/>
+                    </a:ext>
+                  </a:extLst>
+                </a:gridCol>
+                <a:gridCol w="1820503">
+                  <a:extLst>
+                    <a:ext uri="{9D8B030D-6E8A-4147-A177-3AD203B41FA5}">
+                      <a16:colId xmlns:a16="http://schemas.microsoft.com/office/drawing/2014/main" val="2692074005"/>
+                    </a:ext>
+                  </a:extLst>
+                </a:gridCol>
+                <a:gridCol w="1820503">
+                  <a:extLst>
+                    <a:ext uri="{9D8B030D-6E8A-4147-A177-3AD203B41FA5}">
+                      <a16:colId xmlns:a16="http://schemas.microsoft.com/office/drawing/2014/main" val="3690607145"/>
+                    </a:ext>
+                  </a:extLst>
+                </a:gridCol>
+                <a:gridCol w="1820503">
+                  <a:extLst>
+                    <a:ext uri="{9D8B030D-6E8A-4147-A177-3AD203B41FA5}">
+                      <a16:colId xmlns:a16="http://schemas.microsoft.com/office/drawing/2014/main" val="1487866588"/>
+                    </a:ext>
+                  </a:extLst>
+                </a:gridCol>
+                <a:gridCol w="1820503">
+                  <a:extLst>
+                    <a:ext uri="{9D8B030D-6E8A-4147-A177-3AD203B41FA5}">
+                      <a16:colId xmlns:a16="http://schemas.microsoft.com/office/drawing/2014/main" val="1054894047"/>
                     </a:ext>
                   </a:extLst>
                 </a:gridCol>
@@ -13976,7 +13579,303 @@
                     <a:p>
                       <a:r>
                         <a:rPr lang="en-US" dirty="0" err="1"/>
+                        <a:t>AnswerId</a:t>
+                      </a:r>
+                      <a:r>
+                        <a:rPr lang="en-US" dirty="0"/>
+                        <a:t>(P)</a:t>
+                      </a:r>
+                      <a:endParaRPr lang="en-IN" dirty="0"/>
+                    </a:p>
+                  </a:txBody>
+                  <a:tcPr/>
+                </a:tc>
+                <a:tc>
+                  <a:txBody>
+                    <a:bodyPr/>
+                    <a:lstStyle/>
+                    <a:p>
+                      <a:pPr marL="0" marR="0" lvl="0" indent="0" algn="l" defTabSz="914400" rtl="0" eaLnBrk="1" fontAlgn="auto" latinLnBrk="0" hangingPunct="1">
+                        <a:lnSpc>
+                          <a:spcPct val="100000"/>
+                        </a:lnSpc>
+                        <a:spcBef>
+                          <a:spcPts val="0"/>
+                        </a:spcBef>
+                        <a:spcAft>
+                          <a:spcPts val="0"/>
+                        </a:spcAft>
+                        <a:buClrTx/>
+                        <a:buSzTx/>
+                        <a:buFontTx/>
+                        <a:buNone/>
+                        <a:tabLst/>
+                        <a:defRPr/>
+                      </a:pPr>
+                      <a:r>
+                        <a:rPr lang="en-US" dirty="0" err="1"/>
                         <a:t>QuestionId</a:t>
+                      </a:r>
+                      <a:r>
+                        <a:rPr lang="en-US" dirty="0"/>
+                        <a:t>(FK)</a:t>
+                      </a:r>
+                      <a:endParaRPr lang="en-IN" dirty="0"/>
+                    </a:p>
+                  </a:txBody>
+                  <a:tcPr/>
+                </a:tc>
+                <a:tc>
+                  <a:txBody>
+                    <a:bodyPr/>
+                    <a:lstStyle/>
+                    <a:p>
+                      <a:r>
+                        <a:rPr lang="en-US" dirty="0" err="1"/>
+                        <a:t>AnswerDescription</a:t>
+                      </a:r>
+                      <a:endParaRPr lang="en-IN" dirty="0"/>
+                    </a:p>
+                  </a:txBody>
+                  <a:tcPr/>
+                </a:tc>
+                <a:tc>
+                  <a:txBody>
+                    <a:bodyPr/>
+                    <a:lstStyle/>
+                    <a:p>
+                      <a:r>
+                        <a:rPr lang="en-US" dirty="0" err="1"/>
+                        <a:t>UserId</a:t>
+                      </a:r>
+                      <a:endParaRPr lang="en-IN" dirty="0"/>
+                    </a:p>
+                  </a:txBody>
+                  <a:tcPr/>
+                </a:tc>
+                <a:tc>
+                  <a:txBody>
+                    <a:bodyPr/>
+                    <a:lstStyle/>
+                    <a:p>
+                      <a:r>
+                        <a:rPr lang="en-US" dirty="0"/>
+                        <a:t>Timestamp</a:t>
+                      </a:r>
+                      <a:endParaRPr lang="en-IN" dirty="0"/>
+                    </a:p>
+                  </a:txBody>
+                  <a:tcPr/>
+                </a:tc>
+                <a:extLst>
+                  <a:ext uri="{0D108BD9-81ED-4DB2-BD59-A6C34878D82A}">
+                    <a16:rowId xmlns:a16="http://schemas.microsoft.com/office/drawing/2014/main" val="2091360046"/>
+                  </a:ext>
+                </a:extLst>
+              </a:tr>
+              <a:tr h="370840">
+                <a:tc>
+                  <a:txBody>
+                    <a:bodyPr/>
+                    <a:lstStyle/>
+                    <a:p>
+                      <a:r>
+                        <a:rPr lang="en-US" dirty="0"/>
+                        <a:t>GUID</a:t>
+                      </a:r>
+                      <a:endParaRPr lang="en-IN" dirty="0"/>
+                    </a:p>
+                  </a:txBody>
+                  <a:tcPr/>
+                </a:tc>
+                <a:tc>
+                  <a:txBody>
+                    <a:bodyPr/>
+                    <a:lstStyle/>
+                    <a:p>
+                      <a:r>
+                        <a:rPr lang="en-US" dirty="0"/>
+                        <a:t>GUID</a:t>
+                      </a:r>
+                      <a:endParaRPr lang="en-IN" dirty="0"/>
+                    </a:p>
+                  </a:txBody>
+                  <a:tcPr/>
+                </a:tc>
+                <a:tc>
+                  <a:txBody>
+                    <a:bodyPr/>
+                    <a:lstStyle/>
+                    <a:p>
+                      <a:r>
+                        <a:rPr lang="en-US" dirty="0"/>
+                        <a:t>STRING</a:t>
+                      </a:r>
+                      <a:endParaRPr lang="en-IN" dirty="0"/>
+                    </a:p>
+                  </a:txBody>
+                  <a:tcPr/>
+                </a:tc>
+                <a:tc>
+                  <a:txBody>
+                    <a:bodyPr/>
+                    <a:lstStyle/>
+                    <a:p>
+                      <a:r>
+                        <a:rPr lang="en-US" dirty="0"/>
+                        <a:t>GUID</a:t>
+                      </a:r>
+                      <a:endParaRPr lang="en-IN" dirty="0"/>
+                    </a:p>
+                  </a:txBody>
+                  <a:tcPr/>
+                </a:tc>
+                <a:tc>
+                  <a:txBody>
+                    <a:bodyPr/>
+                    <a:lstStyle/>
+                    <a:p>
+                      <a:r>
+                        <a:rPr lang="en-US" dirty="0"/>
+                        <a:t>DATESTRING</a:t>
+                      </a:r>
+                      <a:endParaRPr lang="en-IN" dirty="0"/>
+                    </a:p>
+                  </a:txBody>
+                  <a:tcPr/>
+                </a:tc>
+                <a:extLst>
+                  <a:ext uri="{0D108BD9-81ED-4DB2-BD59-A6C34878D82A}">
+                    <a16:rowId xmlns:a16="http://schemas.microsoft.com/office/drawing/2014/main" val="2137518724"/>
+                  </a:ext>
+                </a:extLst>
+              </a:tr>
+            </a:tbl>
+          </a:graphicData>
+        </a:graphic>
+      </p:graphicFrame>
+    </p:spTree>
+    <p:extLst>
+      <p:ext uri="{BB962C8B-B14F-4D97-AF65-F5344CB8AC3E}">
+        <p14:creationId xmlns:p14="http://schemas.microsoft.com/office/powerpoint/2010/main" val="2965259619"/>
+      </p:ext>
+    </p:extLst>
+  </p:cSld>
+  <p:clrMapOvr>
+    <a:masterClrMapping/>
+  </p:clrMapOvr>
+</p:sld>
+</file>
+
+<file path=ppt/slides/slide14.xml><?xml version="1.0" encoding="utf-8"?>
+<p:sld xmlns:a="http://schemas.openxmlformats.org/drawingml/2006/main" xmlns:r="http://schemas.openxmlformats.org/officeDocument/2006/relationships" xmlns:p="http://schemas.openxmlformats.org/presentationml/2006/main">
+  <p:cSld>
+    <p:spTree>
+      <p:nvGrpSpPr>
+        <p:cNvPr id="1" name=""/>
+        <p:cNvGrpSpPr/>
+        <p:nvPr/>
+      </p:nvGrpSpPr>
+      <p:grpSpPr>
+        <a:xfrm>
+          <a:off x="0" y="0"/>
+          <a:ext cx="0" cy="0"/>
+          <a:chOff x="0" y="0"/>
+          <a:chExt cx="0" cy="0"/>
+        </a:xfrm>
+      </p:grpSpPr>
+      <p:sp>
+        <p:nvSpPr>
+          <p:cNvPr id="2" name="Title 1">
+            <a:extLst>
+              <a:ext uri="{FF2B5EF4-FFF2-40B4-BE49-F238E27FC236}">
+                <a16:creationId xmlns:a16="http://schemas.microsoft.com/office/drawing/2014/main" id="{C75DBFD0-88C9-4684-AF3A-78E2157AC04F}"/>
+              </a:ext>
+            </a:extLst>
+          </p:cNvPr>
+          <p:cNvSpPr>
+            <a:spLocks noGrp="1"/>
+          </p:cNvSpPr>
+          <p:nvPr>
+            <p:ph type="title"/>
+          </p:nvPr>
+        </p:nvSpPr>
+        <p:spPr/>
+        <p:txBody>
+          <a:bodyPr/>
+          <a:lstStyle/>
+          <a:p>
+            <a:r>
+              <a:rPr lang="en-US" dirty="0"/>
+              <a:t>Subject table</a:t>
+            </a:r>
+            <a:endParaRPr lang="en-IN" dirty="0"/>
+          </a:p>
+        </p:txBody>
+      </p:sp>
+      <p:graphicFrame>
+        <p:nvGraphicFramePr>
+          <p:cNvPr id="4" name="Table 4">
+            <a:extLst>
+              <a:ext uri="{FF2B5EF4-FFF2-40B4-BE49-F238E27FC236}">
+                <a16:creationId xmlns:a16="http://schemas.microsoft.com/office/drawing/2014/main" id="{858936AF-8C70-48D1-8307-A78A70CFA7A3}"/>
+              </a:ext>
+            </a:extLst>
+          </p:cNvPr>
+          <p:cNvGraphicFramePr>
+            <a:graphicFrameLocks noGrp="1"/>
+          </p:cNvGraphicFramePr>
+          <p:nvPr>
+            <p:ph idx="1"/>
+            <p:extLst>
+              <p:ext uri="{D42A27DB-BD31-4B8C-83A1-F6EECF244321}">
+                <p14:modId xmlns:p14="http://schemas.microsoft.com/office/powerpoint/2010/main" val="1225516021"/>
+              </p:ext>
+            </p:extLst>
+          </p:nvPr>
+        </p:nvGraphicFramePr>
+        <p:xfrm>
+          <a:off x="1141413" y="2249488"/>
+          <a:ext cx="7247212" cy="741680"/>
+        </p:xfrm>
+        <a:graphic>
+          <a:graphicData uri="http://schemas.openxmlformats.org/drawingml/2006/table">
+            <a:tbl>
+              <a:tblPr firstRow="1" bandRow="1">
+                <a:tableStyleId>{22838BEF-8BB2-4498-84A7-C5851F593DF1}</a:tableStyleId>
+              </a:tblPr>
+              <a:tblGrid>
+                <a:gridCol w="1405640">
+                  <a:extLst>
+                    <a:ext uri="{9D8B030D-6E8A-4147-A177-3AD203B41FA5}">
+                      <a16:colId xmlns:a16="http://schemas.microsoft.com/office/drawing/2014/main" val="2624588619"/>
+                    </a:ext>
+                  </a:extLst>
+                </a:gridCol>
+                <a:gridCol w="2920786">
+                  <a:extLst>
+                    <a:ext uri="{9D8B030D-6E8A-4147-A177-3AD203B41FA5}">
+                      <a16:colId xmlns:a16="http://schemas.microsoft.com/office/drawing/2014/main" val="3239694437"/>
+                    </a:ext>
+                  </a:extLst>
+                </a:gridCol>
+                <a:gridCol w="2920786">
+                  <a:extLst>
+                    <a:ext uri="{9D8B030D-6E8A-4147-A177-3AD203B41FA5}">
+                      <a16:colId xmlns:a16="http://schemas.microsoft.com/office/drawing/2014/main" val="2955291456"/>
+                    </a:ext>
+                  </a:extLst>
+                </a:gridCol>
+              </a:tblGrid>
+              <a:tr h="370840">
+                <a:tc>
+                  <a:txBody>
+                    <a:bodyPr/>
+                    <a:lstStyle/>
+                    <a:p>
+                      <a:r>
+                        <a:rPr lang="en-US" dirty="0" err="1"/>
+                        <a:t>SubjectId</a:t>
                       </a:r>
                       <a:r>
                         <a:rPr lang="en-US" dirty="0"/>
@@ -13994,7 +13893,233 @@
                     <a:p>
                       <a:r>
                         <a:rPr lang="en-US" dirty="0" err="1"/>
-                        <a:t>UserId</a:t>
+                        <a:t>SubjectName</a:t>
+                      </a:r>
+                      <a:endParaRPr lang="en-IN" dirty="0"/>
+                    </a:p>
+                  </a:txBody>
+                  <a:tcPr/>
+                </a:tc>
+                <a:tc>
+                  <a:txBody>
+                    <a:bodyPr/>
+                    <a:lstStyle/>
+                    <a:p>
+                      <a:r>
+                        <a:rPr lang="en-US" dirty="0" err="1"/>
+                        <a:t>SubjectDescription</a:t>
+                      </a:r>
+                      <a:endParaRPr lang="en-IN" dirty="0"/>
+                    </a:p>
+                  </a:txBody>
+                  <a:tcPr/>
+                </a:tc>
+                <a:extLst>
+                  <a:ext uri="{0D108BD9-81ED-4DB2-BD59-A6C34878D82A}">
+                    <a16:rowId xmlns:a16="http://schemas.microsoft.com/office/drawing/2014/main" val="2091360046"/>
+                  </a:ext>
+                </a:extLst>
+              </a:tr>
+              <a:tr h="370840">
+                <a:tc>
+                  <a:txBody>
+                    <a:bodyPr/>
+                    <a:lstStyle/>
+                    <a:p>
+                      <a:r>
+                        <a:rPr lang="en-US" dirty="0"/>
+                        <a:t>GUID</a:t>
+                      </a:r>
+                      <a:endParaRPr lang="en-IN" dirty="0"/>
+                    </a:p>
+                  </a:txBody>
+                  <a:tcPr/>
+                </a:tc>
+                <a:tc>
+                  <a:txBody>
+                    <a:bodyPr/>
+                    <a:lstStyle/>
+                    <a:p>
+                      <a:r>
+                        <a:rPr lang="en-US" dirty="0"/>
+                        <a:t>STRING</a:t>
+                      </a:r>
+                      <a:endParaRPr lang="en-IN" dirty="0"/>
+                    </a:p>
+                  </a:txBody>
+                  <a:tcPr/>
+                </a:tc>
+                <a:tc>
+                  <a:txBody>
+                    <a:bodyPr/>
+                    <a:lstStyle/>
+                    <a:p>
+                      <a:r>
+                        <a:rPr lang="en-US" dirty="0"/>
+                        <a:t>STRING</a:t>
+                      </a:r>
+                      <a:endParaRPr lang="en-IN" dirty="0"/>
+                    </a:p>
+                  </a:txBody>
+                  <a:tcPr/>
+                </a:tc>
+                <a:extLst>
+                  <a:ext uri="{0D108BD9-81ED-4DB2-BD59-A6C34878D82A}">
+                    <a16:rowId xmlns:a16="http://schemas.microsoft.com/office/drawing/2014/main" val="2137518724"/>
+                  </a:ext>
+                </a:extLst>
+              </a:tr>
+            </a:tbl>
+          </a:graphicData>
+        </a:graphic>
+      </p:graphicFrame>
+    </p:spTree>
+    <p:extLst>
+      <p:ext uri="{BB962C8B-B14F-4D97-AF65-F5344CB8AC3E}">
+        <p14:creationId xmlns:p14="http://schemas.microsoft.com/office/powerpoint/2010/main" val="68970013"/>
+      </p:ext>
+    </p:extLst>
+  </p:cSld>
+  <p:clrMapOvr>
+    <a:masterClrMapping/>
+  </p:clrMapOvr>
+</p:sld>
+</file>
+
+<file path=ppt/slides/slide15.xml><?xml version="1.0" encoding="utf-8"?>
+<p:sld xmlns:a="http://schemas.openxmlformats.org/drawingml/2006/main" xmlns:r="http://schemas.openxmlformats.org/officeDocument/2006/relationships" xmlns:p="http://schemas.openxmlformats.org/presentationml/2006/main">
+  <p:cSld>
+    <p:spTree>
+      <p:nvGrpSpPr>
+        <p:cNvPr id="1" name=""/>
+        <p:cNvGrpSpPr/>
+        <p:nvPr/>
+      </p:nvGrpSpPr>
+      <p:grpSpPr>
+        <a:xfrm>
+          <a:off x="0" y="0"/>
+          <a:ext cx="0" cy="0"/>
+          <a:chOff x="0" y="0"/>
+          <a:chExt cx="0" cy="0"/>
+        </a:xfrm>
+      </p:grpSpPr>
+      <p:sp>
+        <p:nvSpPr>
+          <p:cNvPr id="2" name="Title 1">
+            <a:extLst>
+              <a:ext uri="{FF2B5EF4-FFF2-40B4-BE49-F238E27FC236}">
+                <a16:creationId xmlns:a16="http://schemas.microsoft.com/office/drawing/2014/main" id="{C75DBFD0-88C9-4684-AF3A-78E2157AC04F}"/>
+              </a:ext>
+            </a:extLst>
+          </p:cNvPr>
+          <p:cNvSpPr>
+            <a:spLocks noGrp="1"/>
+          </p:cNvSpPr>
+          <p:nvPr>
+            <p:ph type="title"/>
+          </p:nvPr>
+        </p:nvSpPr>
+        <p:spPr/>
+        <p:txBody>
+          <a:bodyPr/>
+          <a:lstStyle/>
+          <a:p>
+            <a:r>
+              <a:rPr lang="en-US" dirty="0"/>
+              <a:t>Subject SUBCATEGORY table</a:t>
+            </a:r>
+            <a:endParaRPr lang="en-IN" dirty="0"/>
+          </a:p>
+        </p:txBody>
+      </p:sp>
+      <p:graphicFrame>
+        <p:nvGraphicFramePr>
+          <p:cNvPr id="4" name="Table 4">
+            <a:extLst>
+              <a:ext uri="{FF2B5EF4-FFF2-40B4-BE49-F238E27FC236}">
+                <a16:creationId xmlns:a16="http://schemas.microsoft.com/office/drawing/2014/main" id="{858936AF-8C70-48D1-8307-A78A70CFA7A3}"/>
+              </a:ext>
+            </a:extLst>
+          </p:cNvPr>
+          <p:cNvGraphicFramePr>
+            <a:graphicFrameLocks noGrp="1"/>
+          </p:cNvGraphicFramePr>
+          <p:nvPr>
+            <p:ph idx="1"/>
+            <p:extLst>
+              <p:ext uri="{D42A27DB-BD31-4B8C-83A1-F6EECF244321}">
+                <p14:modId xmlns:p14="http://schemas.microsoft.com/office/powerpoint/2010/main" val="2880124105"/>
+              </p:ext>
+            </p:extLst>
+          </p:nvPr>
+        </p:nvGraphicFramePr>
+        <p:xfrm>
+          <a:off x="1141412" y="2249488"/>
+          <a:ext cx="10281960" cy="741680"/>
+        </p:xfrm>
+        <a:graphic>
+          <a:graphicData uri="http://schemas.openxmlformats.org/drawingml/2006/table">
+            <a:tbl>
+              <a:tblPr firstRow="1" bandRow="1">
+                <a:tableStyleId>{22838BEF-8BB2-4498-84A7-C5851F593DF1}</a:tableStyleId>
+              </a:tblPr>
+              <a:tblGrid>
+                <a:gridCol w="2065614">
+                  <a:extLst>
+                    <a:ext uri="{9D8B030D-6E8A-4147-A177-3AD203B41FA5}">
+                      <a16:colId xmlns:a16="http://schemas.microsoft.com/office/drawing/2014/main" val="82365129"/>
+                    </a:ext>
+                  </a:extLst>
+                </a:gridCol>
+                <a:gridCol w="1643270">
+                  <a:extLst>
+                    <a:ext uri="{9D8B030D-6E8A-4147-A177-3AD203B41FA5}">
+                      <a16:colId xmlns:a16="http://schemas.microsoft.com/office/drawing/2014/main" val="2624588619"/>
+                    </a:ext>
+                  </a:extLst>
+                </a:gridCol>
+                <a:gridCol w="2067339">
+                  <a:extLst>
+                    <a:ext uri="{9D8B030D-6E8A-4147-A177-3AD203B41FA5}">
+                      <a16:colId xmlns:a16="http://schemas.microsoft.com/office/drawing/2014/main" val="3239694437"/>
+                    </a:ext>
+                  </a:extLst>
+                </a:gridCol>
+                <a:gridCol w="4505737">
+                  <a:extLst>
+                    <a:ext uri="{9D8B030D-6E8A-4147-A177-3AD203B41FA5}">
+                      <a16:colId xmlns:a16="http://schemas.microsoft.com/office/drawing/2014/main" val="2955291456"/>
+                    </a:ext>
+                  </a:extLst>
+                </a:gridCol>
+              </a:tblGrid>
+              <a:tr h="370840">
+                <a:tc>
+                  <a:txBody>
+                    <a:bodyPr/>
+                    <a:lstStyle/>
+                    <a:p>
+                      <a:r>
+                        <a:rPr lang="en-US" dirty="0" err="1"/>
+                        <a:t>SubCategoryId</a:t>
+                      </a:r>
+                      <a:r>
+                        <a:rPr lang="en-US" dirty="0"/>
+                        <a:t>(P)</a:t>
+                      </a:r>
+                      <a:endParaRPr lang="en-IN" dirty="0"/>
+                    </a:p>
+                  </a:txBody>
+                  <a:tcPr/>
+                </a:tc>
+                <a:tc>
+                  <a:txBody>
+                    <a:bodyPr/>
+                    <a:lstStyle/>
+                    <a:p>
+                      <a:r>
+                        <a:rPr lang="en-US" dirty="0" err="1"/>
+                        <a:t>SubjectId</a:t>
                       </a:r>
                       <a:r>
                         <a:rPr lang="en-US" dirty="0"/>
@@ -14012,7 +14137,7 @@
                     <a:p>
                       <a:r>
                         <a:rPr lang="en-US" dirty="0" err="1"/>
-                        <a:t>QuestionTitle</a:t>
+                        <a:t>SubCategoryName</a:t>
                       </a:r>
                       <a:endParaRPr lang="en-IN" dirty="0"/>
                     </a:p>
@@ -14026,21 +14151,7 @@
                     <a:p>
                       <a:r>
                         <a:rPr lang="en-US" dirty="0" err="1"/>
-                        <a:t>QuestionDescription</a:t>
-                      </a:r>
-                      <a:endParaRPr lang="en-IN" dirty="0"/>
-                    </a:p>
-                  </a:txBody>
-                  <a:tcPr/>
-                </a:tc>
-                <a:tc>
-                  <a:txBody>
-                    <a:bodyPr/>
-                    <a:lstStyle/>
-                    <a:p>
-                      <a:r>
-                        <a:rPr lang="en-US" dirty="0" err="1"/>
-                        <a:t>AnswerCount</a:t>
+                        <a:t>SubCategoryDescription</a:t>
                       </a:r>
                       <a:endParaRPr lang="en-IN" dirty="0"/>
                     </a:p>
@@ -14110,20 +14221,6 @@
                   </a:txBody>
                   <a:tcPr/>
                 </a:tc>
-                <a:tc>
-                  <a:txBody>
-                    <a:bodyPr/>
-                    <a:lstStyle/>
-                    <a:p>
-                      <a:r>
-                        <a:rPr lang="en-US" dirty="0"/>
-                        <a:t>INT</a:t>
-                      </a:r>
-                      <a:endParaRPr lang="en-IN" dirty="0"/>
-                    </a:p>
-                  </a:txBody>
-                  <a:tcPr/>
-                </a:tc>
                 <a:extLst>
                   <a:ext uri="{0D108BD9-81ED-4DB2-BD59-A6C34878D82A}">
                     <a16:rowId xmlns:a16="http://schemas.microsoft.com/office/drawing/2014/main" val="2137518724"/>
@@ -14137,7 +14234,909 @@
     </p:spTree>
     <p:extLst>
       <p:ext uri="{BB962C8B-B14F-4D97-AF65-F5344CB8AC3E}">
-        <p14:creationId xmlns:p14="http://schemas.microsoft.com/office/powerpoint/2010/main" val="888946404"/>
+        <p14:creationId xmlns:p14="http://schemas.microsoft.com/office/powerpoint/2010/main" val="885499734"/>
+      </p:ext>
+    </p:extLst>
+  </p:cSld>
+  <p:clrMapOvr>
+    <a:masterClrMapping/>
+  </p:clrMapOvr>
+</p:sld>
+</file>
+
+<file path=ppt/slides/slide2.xml><?xml version="1.0" encoding="utf-8"?>
+<p:sld xmlns:a="http://schemas.openxmlformats.org/drawingml/2006/main" xmlns:r="http://schemas.openxmlformats.org/officeDocument/2006/relationships" xmlns:p="http://schemas.openxmlformats.org/presentationml/2006/main">
+  <p:cSld>
+    <p:spTree>
+      <p:nvGrpSpPr>
+        <p:cNvPr id="1" name=""/>
+        <p:cNvGrpSpPr/>
+        <p:nvPr/>
+      </p:nvGrpSpPr>
+      <p:grpSpPr>
+        <a:xfrm>
+          <a:off x="0" y="0"/>
+          <a:ext cx="0" cy="0"/>
+          <a:chOff x="0" y="0"/>
+          <a:chExt cx="0" cy="0"/>
+        </a:xfrm>
+      </p:grpSpPr>
+      <p:sp>
+        <p:nvSpPr>
+          <p:cNvPr id="2" name="Title 1">
+            <a:extLst>
+              <a:ext uri="{FF2B5EF4-FFF2-40B4-BE49-F238E27FC236}">
+                <a16:creationId xmlns:a16="http://schemas.microsoft.com/office/drawing/2014/main" id="{4E896739-4910-4CE5-92A8-07BB9DA11E37}"/>
+              </a:ext>
+            </a:extLst>
+          </p:cNvPr>
+          <p:cNvSpPr>
+            <a:spLocks noGrp="1"/>
+          </p:cNvSpPr>
+          <p:nvPr>
+            <p:ph type="title"/>
+          </p:nvPr>
+        </p:nvSpPr>
+        <p:spPr/>
+        <p:txBody>
+          <a:bodyPr/>
+          <a:lstStyle/>
+          <a:p>
+            <a:r>
+              <a:rPr lang="en-US" dirty="0"/>
+              <a:t>Reference </a:t>
+            </a:r>
+            <a:endParaRPr lang="en-IN" dirty="0"/>
+          </a:p>
+        </p:txBody>
+      </p:sp>
+      <p:pic>
+        <p:nvPicPr>
+          <p:cNvPr id="5" name="Content Placeholder 4">
+            <a:extLst>
+              <a:ext uri="{FF2B5EF4-FFF2-40B4-BE49-F238E27FC236}">
+                <a16:creationId xmlns:a16="http://schemas.microsoft.com/office/drawing/2014/main" id="{50666C4D-7424-4220-AECF-216FBAC465FB}"/>
+              </a:ext>
+            </a:extLst>
+          </p:cNvPr>
+          <p:cNvPicPr>
+            <a:picLocks noGrp="1" noChangeAspect="1"/>
+          </p:cNvPicPr>
+          <p:nvPr>
+            <p:ph idx="1"/>
+          </p:nvPr>
+        </p:nvPicPr>
+        <p:blipFill rotWithShape="1">
+          <a:blip r:embed="rId2"/>
+          <a:srcRect t="3215"/>
+          <a:stretch/>
+        </p:blipFill>
+        <p:spPr>
+          <a:xfrm>
+            <a:off x="2456508" y="1835424"/>
+            <a:ext cx="6688158" cy="4643953"/>
+          </a:xfrm>
+          <a:prstGeom prst="rect">
+            <a:avLst/>
+          </a:prstGeom>
+          <a:solidFill>
+            <a:srgbClr val="FFFFFF">
+              <a:shade val="85000"/>
+            </a:srgbClr>
+          </a:solidFill>
+          <a:ln w="190500" cap="rnd">
+            <a:solidFill>
+              <a:srgbClr val="FFFFFF"/>
+            </a:solidFill>
+          </a:ln>
+          <a:effectLst>
+            <a:outerShdw blurRad="50000" algn="tl" rotWithShape="0">
+              <a:srgbClr val="000000">
+                <a:alpha val="41000"/>
+              </a:srgbClr>
+            </a:outerShdw>
+          </a:effectLst>
+          <a:scene3d>
+            <a:camera prst="orthographicFront"/>
+            <a:lightRig rig="twoPt" dir="t">
+              <a:rot lat="0" lon="0" rev="7800000"/>
+            </a:lightRig>
+          </a:scene3d>
+          <a:sp3d contourW="6350">
+            <a:bevelT w="50800" h="16510"/>
+            <a:contourClr>
+              <a:srgbClr val="C0C0C0"/>
+            </a:contourClr>
+          </a:sp3d>
+        </p:spPr>
+      </p:pic>
+    </p:spTree>
+    <p:extLst>
+      <p:ext uri="{BB962C8B-B14F-4D97-AF65-F5344CB8AC3E}">
+        <p14:creationId xmlns:p14="http://schemas.microsoft.com/office/powerpoint/2010/main" val="2100233804"/>
+      </p:ext>
+    </p:extLst>
+  </p:cSld>
+  <p:clrMapOvr>
+    <a:masterClrMapping/>
+  </p:clrMapOvr>
+</p:sld>
+</file>
+
+<file path=ppt/slides/slide3.xml><?xml version="1.0" encoding="utf-8"?>
+<p:sld xmlns:a="http://schemas.openxmlformats.org/drawingml/2006/main" xmlns:r="http://schemas.openxmlformats.org/officeDocument/2006/relationships" xmlns:p="http://schemas.openxmlformats.org/presentationml/2006/main">
+  <p:cSld>
+    <p:spTree>
+      <p:nvGrpSpPr>
+        <p:cNvPr id="1" name=""/>
+        <p:cNvGrpSpPr/>
+        <p:nvPr/>
+      </p:nvGrpSpPr>
+      <p:grpSpPr>
+        <a:xfrm>
+          <a:off x="0" y="0"/>
+          <a:ext cx="0" cy="0"/>
+          <a:chOff x="0" y="0"/>
+          <a:chExt cx="0" cy="0"/>
+        </a:xfrm>
+      </p:grpSpPr>
+      <p:sp>
+        <p:nvSpPr>
+          <p:cNvPr id="2" name="Title 1">
+            <a:extLst>
+              <a:ext uri="{FF2B5EF4-FFF2-40B4-BE49-F238E27FC236}">
+                <a16:creationId xmlns:a16="http://schemas.microsoft.com/office/drawing/2014/main" id="{4E896739-4910-4CE5-92A8-07BB9DA11E37}"/>
+              </a:ext>
+            </a:extLst>
+          </p:cNvPr>
+          <p:cNvSpPr>
+            <a:spLocks noGrp="1"/>
+          </p:cNvSpPr>
+          <p:nvPr>
+            <p:ph type="title"/>
+          </p:nvPr>
+        </p:nvSpPr>
+        <p:spPr/>
+        <p:txBody>
+          <a:bodyPr/>
+          <a:lstStyle/>
+          <a:p>
+            <a:r>
+              <a:rPr lang="en-US" dirty="0"/>
+              <a:t>Reference </a:t>
+            </a:r>
+            <a:endParaRPr lang="en-IN" dirty="0"/>
+          </a:p>
+        </p:txBody>
+      </p:sp>
+      <p:pic>
+        <p:nvPicPr>
+          <p:cNvPr id="5" name="Picture 4">
+            <a:extLst>
+              <a:ext uri="{FF2B5EF4-FFF2-40B4-BE49-F238E27FC236}">
+                <a16:creationId xmlns:a16="http://schemas.microsoft.com/office/drawing/2014/main" id="{6F45981A-66C3-406B-9831-885ADF26130B}"/>
+              </a:ext>
+            </a:extLst>
+          </p:cNvPr>
+          <p:cNvPicPr>
+            <a:picLocks noChangeAspect="1"/>
+          </p:cNvPicPr>
+          <p:nvPr/>
+        </p:nvPicPr>
+        <p:blipFill>
+          <a:blip r:embed="rId2"/>
+          <a:stretch>
+            <a:fillRect/>
+          </a:stretch>
+        </p:blipFill>
+        <p:spPr>
+          <a:xfrm>
+            <a:off x="1141413" y="1881188"/>
+            <a:ext cx="9162811" cy="3979395"/>
+          </a:xfrm>
+          <a:prstGeom prst="rect">
+            <a:avLst/>
+          </a:prstGeom>
+          <a:solidFill>
+            <a:srgbClr val="FFFFFF">
+              <a:shade val="85000"/>
+            </a:srgbClr>
+          </a:solidFill>
+          <a:ln w="190500" cap="rnd">
+            <a:solidFill>
+              <a:srgbClr val="FFFFFF"/>
+            </a:solidFill>
+          </a:ln>
+          <a:effectLst>
+            <a:outerShdw blurRad="50000" algn="tl" rotWithShape="0">
+              <a:srgbClr val="000000">
+                <a:alpha val="41000"/>
+              </a:srgbClr>
+            </a:outerShdw>
+          </a:effectLst>
+          <a:scene3d>
+            <a:camera prst="orthographicFront"/>
+            <a:lightRig rig="twoPt" dir="t">
+              <a:rot lat="0" lon="0" rev="7800000"/>
+            </a:lightRig>
+          </a:scene3d>
+          <a:sp3d contourW="6350">
+            <a:bevelT w="50800" h="16510"/>
+            <a:contourClr>
+              <a:srgbClr val="C0C0C0"/>
+            </a:contourClr>
+          </a:sp3d>
+        </p:spPr>
+      </p:pic>
+    </p:spTree>
+    <p:extLst>
+      <p:ext uri="{BB962C8B-B14F-4D97-AF65-F5344CB8AC3E}">
+        <p14:creationId xmlns:p14="http://schemas.microsoft.com/office/powerpoint/2010/main" val="3083442219"/>
+      </p:ext>
+    </p:extLst>
+  </p:cSld>
+  <p:clrMapOvr>
+    <a:masterClrMapping/>
+  </p:clrMapOvr>
+</p:sld>
+</file>
+
+<file path=ppt/slides/slide4.xml><?xml version="1.0" encoding="utf-8"?>
+<p:sld xmlns:a="http://schemas.openxmlformats.org/drawingml/2006/main" xmlns:r="http://schemas.openxmlformats.org/officeDocument/2006/relationships" xmlns:p="http://schemas.openxmlformats.org/presentationml/2006/main">
+  <p:cSld>
+    <p:spTree>
+      <p:nvGrpSpPr>
+        <p:cNvPr id="1" name=""/>
+        <p:cNvGrpSpPr/>
+        <p:nvPr/>
+      </p:nvGrpSpPr>
+      <p:grpSpPr>
+        <a:xfrm>
+          <a:off x="0" y="0"/>
+          <a:ext cx="0" cy="0"/>
+          <a:chOff x="0" y="0"/>
+          <a:chExt cx="0" cy="0"/>
+        </a:xfrm>
+      </p:grpSpPr>
+      <p:sp>
+        <p:nvSpPr>
+          <p:cNvPr id="2" name="Title 1">
+            <a:extLst>
+              <a:ext uri="{FF2B5EF4-FFF2-40B4-BE49-F238E27FC236}">
+                <a16:creationId xmlns:a16="http://schemas.microsoft.com/office/drawing/2014/main" id="{4E896739-4910-4CE5-92A8-07BB9DA11E37}"/>
+              </a:ext>
+            </a:extLst>
+          </p:cNvPr>
+          <p:cNvSpPr>
+            <a:spLocks noGrp="1"/>
+          </p:cNvSpPr>
+          <p:nvPr>
+            <p:ph type="title"/>
+          </p:nvPr>
+        </p:nvSpPr>
+        <p:spPr/>
+        <p:txBody>
+          <a:bodyPr/>
+          <a:lstStyle/>
+          <a:p>
+            <a:r>
+              <a:rPr lang="en-US" dirty="0"/>
+              <a:t>Reference </a:t>
+            </a:r>
+            <a:endParaRPr lang="en-IN" dirty="0"/>
+          </a:p>
+        </p:txBody>
+      </p:sp>
+      <p:pic>
+        <p:nvPicPr>
+          <p:cNvPr id="4" name="Picture 3">
+            <a:extLst>
+              <a:ext uri="{FF2B5EF4-FFF2-40B4-BE49-F238E27FC236}">
+                <a16:creationId xmlns:a16="http://schemas.microsoft.com/office/drawing/2014/main" id="{8568E9E4-B46C-40DC-8A70-16049540E071}"/>
+              </a:ext>
+            </a:extLst>
+          </p:cNvPr>
+          <p:cNvPicPr>
+            <a:picLocks noChangeAspect="1"/>
+          </p:cNvPicPr>
+          <p:nvPr/>
+        </p:nvPicPr>
+        <p:blipFill>
+          <a:blip r:embed="rId2"/>
+          <a:stretch>
+            <a:fillRect/>
+          </a:stretch>
+        </p:blipFill>
+        <p:spPr>
+          <a:xfrm>
+            <a:off x="1141413" y="1917699"/>
+            <a:ext cx="9159843" cy="4214521"/>
+          </a:xfrm>
+          <a:prstGeom prst="rect">
+            <a:avLst/>
+          </a:prstGeom>
+          <a:solidFill>
+            <a:srgbClr val="FFFFFF">
+              <a:shade val="85000"/>
+            </a:srgbClr>
+          </a:solidFill>
+          <a:ln w="190500" cap="rnd">
+            <a:solidFill>
+              <a:srgbClr val="FFFFFF"/>
+            </a:solidFill>
+          </a:ln>
+          <a:effectLst>
+            <a:outerShdw blurRad="50000" algn="tl" rotWithShape="0">
+              <a:srgbClr val="000000">
+                <a:alpha val="41000"/>
+              </a:srgbClr>
+            </a:outerShdw>
+          </a:effectLst>
+          <a:scene3d>
+            <a:camera prst="orthographicFront"/>
+            <a:lightRig rig="twoPt" dir="t">
+              <a:rot lat="0" lon="0" rev="7800000"/>
+            </a:lightRig>
+          </a:scene3d>
+          <a:sp3d contourW="6350">
+            <a:bevelT w="50800" h="16510"/>
+            <a:contourClr>
+              <a:srgbClr val="C0C0C0"/>
+            </a:contourClr>
+          </a:sp3d>
+        </p:spPr>
+      </p:pic>
+    </p:spTree>
+    <p:extLst>
+      <p:ext uri="{BB962C8B-B14F-4D97-AF65-F5344CB8AC3E}">
+        <p14:creationId xmlns:p14="http://schemas.microsoft.com/office/powerpoint/2010/main" val="2233455990"/>
+      </p:ext>
+    </p:extLst>
+  </p:cSld>
+  <p:clrMapOvr>
+    <a:masterClrMapping/>
+  </p:clrMapOvr>
+</p:sld>
+</file>
+
+<file path=ppt/slides/slide5.xml><?xml version="1.0" encoding="utf-8"?>
+<p:sld xmlns:a="http://schemas.openxmlformats.org/drawingml/2006/main" xmlns:r="http://schemas.openxmlformats.org/officeDocument/2006/relationships" xmlns:p="http://schemas.openxmlformats.org/presentationml/2006/main">
+  <p:cSld>
+    <p:spTree>
+      <p:nvGrpSpPr>
+        <p:cNvPr id="1" name=""/>
+        <p:cNvGrpSpPr/>
+        <p:nvPr/>
+      </p:nvGrpSpPr>
+      <p:grpSpPr>
+        <a:xfrm>
+          <a:off x="0" y="0"/>
+          <a:ext cx="0" cy="0"/>
+          <a:chOff x="0" y="0"/>
+          <a:chExt cx="0" cy="0"/>
+        </a:xfrm>
+      </p:grpSpPr>
+      <p:sp>
+        <p:nvSpPr>
+          <p:cNvPr id="2" name="Title 1">
+            <a:extLst>
+              <a:ext uri="{FF2B5EF4-FFF2-40B4-BE49-F238E27FC236}">
+                <a16:creationId xmlns:a16="http://schemas.microsoft.com/office/drawing/2014/main" id="{3F6D2248-6951-4A96-AD3A-7955109F5688}"/>
+              </a:ext>
+            </a:extLst>
+          </p:cNvPr>
+          <p:cNvSpPr>
+            <a:spLocks noGrp="1"/>
+          </p:cNvSpPr>
+          <p:nvPr>
+            <p:ph type="title"/>
+          </p:nvPr>
+        </p:nvSpPr>
+        <p:spPr/>
+        <p:txBody>
+          <a:bodyPr/>
+          <a:lstStyle/>
+          <a:p>
+            <a:r>
+              <a:rPr lang="en-US"/>
+              <a:t>Color palette</a:t>
+            </a:r>
+            <a:endParaRPr lang="en-IN" dirty="0"/>
+          </a:p>
+        </p:txBody>
+      </p:sp>
+      <p:pic>
+        <p:nvPicPr>
+          <p:cNvPr id="9" name="Picture 8">
+            <a:extLst>
+              <a:ext uri="{FF2B5EF4-FFF2-40B4-BE49-F238E27FC236}">
+                <a16:creationId xmlns:a16="http://schemas.microsoft.com/office/drawing/2014/main" id="{B57F2355-F31E-4193-9732-06CA5643A518}"/>
+              </a:ext>
+            </a:extLst>
+          </p:cNvPr>
+          <p:cNvPicPr>
+            <a:picLocks noChangeAspect="1"/>
+          </p:cNvPicPr>
+          <p:nvPr/>
+        </p:nvPicPr>
+        <p:blipFill>
+          <a:blip r:embed="rId2"/>
+          <a:stretch>
+            <a:fillRect/>
+          </a:stretch>
+        </p:blipFill>
+        <p:spPr>
+          <a:xfrm>
+            <a:off x="476250" y="2796202"/>
+            <a:ext cx="11239500" cy="1265596"/>
+          </a:xfrm>
+          <a:prstGeom prst="rect">
+            <a:avLst/>
+          </a:prstGeom>
+          <a:solidFill>
+            <a:srgbClr val="FFFFFF">
+              <a:shade val="85000"/>
+            </a:srgbClr>
+          </a:solidFill>
+          <a:ln w="190500" cap="rnd">
+            <a:solidFill>
+              <a:srgbClr val="FFFFFF"/>
+            </a:solidFill>
+          </a:ln>
+          <a:effectLst>
+            <a:outerShdw blurRad="50000" algn="tl" rotWithShape="0">
+              <a:srgbClr val="000000">
+                <a:alpha val="41000"/>
+              </a:srgbClr>
+            </a:outerShdw>
+          </a:effectLst>
+          <a:scene3d>
+            <a:camera prst="orthographicFront"/>
+            <a:lightRig rig="twoPt" dir="t">
+              <a:rot lat="0" lon="0" rev="7800000"/>
+            </a:lightRig>
+          </a:scene3d>
+          <a:sp3d contourW="6350">
+            <a:bevelT w="50800" h="16510"/>
+            <a:contourClr>
+              <a:srgbClr val="C0C0C0"/>
+            </a:contourClr>
+          </a:sp3d>
+        </p:spPr>
+      </p:pic>
+    </p:spTree>
+    <p:extLst>
+      <p:ext uri="{BB962C8B-B14F-4D97-AF65-F5344CB8AC3E}">
+        <p14:creationId xmlns:p14="http://schemas.microsoft.com/office/powerpoint/2010/main" val="2235591315"/>
+      </p:ext>
+    </p:extLst>
+  </p:cSld>
+  <p:clrMapOvr>
+    <a:masterClrMapping/>
+  </p:clrMapOvr>
+</p:sld>
+</file>
+
+<file path=ppt/slides/slide6.xml><?xml version="1.0" encoding="utf-8"?>
+<p:sld xmlns:a="http://schemas.openxmlformats.org/drawingml/2006/main" xmlns:r="http://schemas.openxmlformats.org/officeDocument/2006/relationships" xmlns:p="http://schemas.openxmlformats.org/presentationml/2006/main">
+  <p:cSld>
+    <p:spTree>
+      <p:nvGrpSpPr>
+        <p:cNvPr id="1" name=""/>
+        <p:cNvGrpSpPr/>
+        <p:nvPr/>
+      </p:nvGrpSpPr>
+      <p:grpSpPr>
+        <a:xfrm>
+          <a:off x="0" y="0"/>
+          <a:ext cx="0" cy="0"/>
+          <a:chOff x="0" y="0"/>
+          <a:chExt cx="0" cy="0"/>
+        </a:xfrm>
+      </p:grpSpPr>
+      <p:sp>
+        <p:nvSpPr>
+          <p:cNvPr id="2" name="Title 1">
+            <a:extLst>
+              <a:ext uri="{FF2B5EF4-FFF2-40B4-BE49-F238E27FC236}">
+                <a16:creationId xmlns:a16="http://schemas.microsoft.com/office/drawing/2014/main" id="{DDE24F7D-56E8-40B3-894C-E9B6289DB559}"/>
+              </a:ext>
+            </a:extLst>
+          </p:cNvPr>
+          <p:cNvSpPr>
+            <a:spLocks noGrp="1"/>
+          </p:cNvSpPr>
+          <p:nvPr>
+            <p:ph type="title"/>
+          </p:nvPr>
+        </p:nvSpPr>
+        <p:spPr/>
+        <p:txBody>
+          <a:bodyPr/>
+          <a:lstStyle/>
+          <a:p>
+            <a:r>
+              <a:rPr lang="en-US" dirty="0"/>
+              <a:t>Users</a:t>
+            </a:r>
+            <a:endParaRPr lang="en-IN" dirty="0"/>
+          </a:p>
+        </p:txBody>
+      </p:sp>
+      <p:sp>
+        <p:nvSpPr>
+          <p:cNvPr id="3" name="Content Placeholder 2">
+            <a:extLst>
+              <a:ext uri="{FF2B5EF4-FFF2-40B4-BE49-F238E27FC236}">
+                <a16:creationId xmlns:a16="http://schemas.microsoft.com/office/drawing/2014/main" id="{E22DB467-EF25-451E-BF79-615D4B3DF74C}"/>
+              </a:ext>
+            </a:extLst>
+          </p:cNvPr>
+          <p:cNvSpPr>
+            <a:spLocks noGrp="1"/>
+          </p:cNvSpPr>
+          <p:nvPr>
+            <p:ph idx="1"/>
+          </p:nvPr>
+        </p:nvSpPr>
+        <p:spPr/>
+        <p:txBody>
+          <a:bodyPr/>
+          <a:lstStyle/>
+          <a:p>
+            <a:r>
+              <a:rPr lang="en-US" dirty="0"/>
+              <a:t>Admin</a:t>
+            </a:r>
+          </a:p>
+          <a:p>
+            <a:r>
+              <a:rPr lang="en-US" dirty="0"/>
+              <a:t>Supervisor</a:t>
+            </a:r>
+          </a:p>
+          <a:p>
+            <a:r>
+              <a:rPr lang="en-US" dirty="0"/>
+              <a:t>End User</a:t>
+            </a:r>
+          </a:p>
+          <a:p>
+            <a:endParaRPr lang="en-IN" dirty="0"/>
+          </a:p>
+        </p:txBody>
+      </p:sp>
+    </p:spTree>
+    <p:extLst>
+      <p:ext uri="{BB962C8B-B14F-4D97-AF65-F5344CB8AC3E}">
+        <p14:creationId xmlns:p14="http://schemas.microsoft.com/office/powerpoint/2010/main" val="1927851145"/>
+      </p:ext>
+    </p:extLst>
+  </p:cSld>
+  <p:clrMapOvr>
+    <a:masterClrMapping/>
+  </p:clrMapOvr>
+</p:sld>
+</file>
+
+<file path=ppt/slides/slide7.xml><?xml version="1.0" encoding="utf-8"?>
+<p:sld xmlns:a="http://schemas.openxmlformats.org/drawingml/2006/main" xmlns:r="http://schemas.openxmlformats.org/officeDocument/2006/relationships" xmlns:p="http://schemas.openxmlformats.org/presentationml/2006/main">
+  <p:cSld>
+    <p:spTree>
+      <p:nvGrpSpPr>
+        <p:cNvPr id="1" name=""/>
+        <p:cNvGrpSpPr/>
+        <p:nvPr/>
+      </p:nvGrpSpPr>
+      <p:grpSpPr>
+        <a:xfrm>
+          <a:off x="0" y="0"/>
+          <a:ext cx="0" cy="0"/>
+          <a:chOff x="0" y="0"/>
+          <a:chExt cx="0" cy="0"/>
+        </a:xfrm>
+      </p:grpSpPr>
+      <p:sp>
+        <p:nvSpPr>
+          <p:cNvPr id="2" name="Title 1">
+            <a:extLst>
+              <a:ext uri="{FF2B5EF4-FFF2-40B4-BE49-F238E27FC236}">
+                <a16:creationId xmlns:a16="http://schemas.microsoft.com/office/drawing/2014/main" id="{340B7F4D-2C0E-4338-8FA2-265C2F004A7C}"/>
+              </a:ext>
+            </a:extLst>
+          </p:cNvPr>
+          <p:cNvSpPr>
+            <a:spLocks noGrp="1"/>
+          </p:cNvSpPr>
+          <p:nvPr>
+            <p:ph type="title"/>
+          </p:nvPr>
+        </p:nvSpPr>
+        <p:spPr/>
+        <p:txBody>
+          <a:bodyPr/>
+          <a:lstStyle/>
+          <a:p>
+            <a:r>
+              <a:rPr lang="en-US" dirty="0"/>
+              <a:t>Admin</a:t>
+            </a:r>
+            <a:endParaRPr lang="en-IN" dirty="0"/>
+          </a:p>
+        </p:txBody>
+      </p:sp>
+      <p:sp>
+        <p:nvSpPr>
+          <p:cNvPr id="3" name="Content Placeholder 2">
+            <a:extLst>
+              <a:ext uri="{FF2B5EF4-FFF2-40B4-BE49-F238E27FC236}">
+                <a16:creationId xmlns:a16="http://schemas.microsoft.com/office/drawing/2014/main" id="{33B25887-F051-4194-8ACC-5AA783816D89}"/>
+              </a:ext>
+            </a:extLst>
+          </p:cNvPr>
+          <p:cNvSpPr>
+            <a:spLocks noGrp="1"/>
+          </p:cNvSpPr>
+          <p:nvPr>
+            <p:ph idx="1"/>
+          </p:nvPr>
+        </p:nvSpPr>
+        <p:spPr/>
+        <p:txBody>
+          <a:bodyPr/>
+          <a:lstStyle/>
+          <a:p>
+            <a:r>
+              <a:rPr lang="en-US" dirty="0"/>
+              <a:t>Have access to everything.</a:t>
+            </a:r>
+          </a:p>
+          <a:p>
+            <a:r>
+              <a:rPr lang="en-US" dirty="0"/>
+              <a:t>Special access over questions.</a:t>
+            </a:r>
+          </a:p>
+          <a:p>
+            <a:r>
+              <a:rPr lang="en-US" dirty="0"/>
+              <a:t>Can mark user’s answers as </a:t>
+            </a:r>
+            <a:r>
+              <a:rPr lang="en-US" b="1" dirty="0"/>
+              <a:t>FEATURED.</a:t>
+            </a:r>
+          </a:p>
+          <a:p>
+            <a:r>
+              <a:rPr lang="en-US" dirty="0"/>
+              <a:t>Can add/delete questions/answers.</a:t>
+            </a:r>
+          </a:p>
+          <a:p>
+            <a:endParaRPr lang="en-US" dirty="0"/>
+          </a:p>
+          <a:p>
+            <a:endParaRPr lang="en-IN" dirty="0"/>
+          </a:p>
+        </p:txBody>
+      </p:sp>
+    </p:spTree>
+    <p:extLst>
+      <p:ext uri="{BB962C8B-B14F-4D97-AF65-F5344CB8AC3E}">
+        <p14:creationId xmlns:p14="http://schemas.microsoft.com/office/powerpoint/2010/main" val="2509595083"/>
+      </p:ext>
+    </p:extLst>
+  </p:cSld>
+  <p:clrMapOvr>
+    <a:masterClrMapping/>
+  </p:clrMapOvr>
+</p:sld>
+</file>
+
+<file path=ppt/slides/slide8.xml><?xml version="1.0" encoding="utf-8"?>
+<p:sld xmlns:a="http://schemas.openxmlformats.org/drawingml/2006/main" xmlns:r="http://schemas.openxmlformats.org/officeDocument/2006/relationships" xmlns:p="http://schemas.openxmlformats.org/presentationml/2006/main">
+  <p:cSld>
+    <p:spTree>
+      <p:nvGrpSpPr>
+        <p:cNvPr id="1" name=""/>
+        <p:cNvGrpSpPr/>
+        <p:nvPr/>
+      </p:nvGrpSpPr>
+      <p:grpSpPr>
+        <a:xfrm>
+          <a:off x="0" y="0"/>
+          <a:ext cx="0" cy="0"/>
+          <a:chOff x="0" y="0"/>
+          <a:chExt cx="0" cy="0"/>
+        </a:xfrm>
+      </p:grpSpPr>
+      <p:sp>
+        <p:nvSpPr>
+          <p:cNvPr id="2" name="Title 1">
+            <a:extLst>
+              <a:ext uri="{FF2B5EF4-FFF2-40B4-BE49-F238E27FC236}">
+                <a16:creationId xmlns:a16="http://schemas.microsoft.com/office/drawing/2014/main" id="{340B7F4D-2C0E-4338-8FA2-265C2F004A7C}"/>
+              </a:ext>
+            </a:extLst>
+          </p:cNvPr>
+          <p:cNvSpPr>
+            <a:spLocks noGrp="1"/>
+          </p:cNvSpPr>
+          <p:nvPr>
+            <p:ph type="title"/>
+          </p:nvPr>
+        </p:nvSpPr>
+        <p:spPr/>
+        <p:txBody>
+          <a:bodyPr/>
+          <a:lstStyle/>
+          <a:p>
+            <a:r>
+              <a:rPr lang="en-US" dirty="0"/>
+              <a:t>Supervisor</a:t>
+            </a:r>
+            <a:endParaRPr lang="en-IN" dirty="0"/>
+          </a:p>
+        </p:txBody>
+      </p:sp>
+      <p:sp>
+        <p:nvSpPr>
+          <p:cNvPr id="3" name="Content Placeholder 2">
+            <a:extLst>
+              <a:ext uri="{FF2B5EF4-FFF2-40B4-BE49-F238E27FC236}">
+                <a16:creationId xmlns:a16="http://schemas.microsoft.com/office/drawing/2014/main" id="{33B25887-F051-4194-8ACC-5AA783816D89}"/>
+              </a:ext>
+            </a:extLst>
+          </p:cNvPr>
+          <p:cNvSpPr>
+            <a:spLocks noGrp="1"/>
+          </p:cNvSpPr>
+          <p:nvPr>
+            <p:ph idx="1"/>
+          </p:nvPr>
+        </p:nvSpPr>
+        <p:spPr/>
+        <p:txBody>
+          <a:bodyPr/>
+          <a:lstStyle/>
+          <a:p>
+            <a:r>
+              <a:rPr lang="en-US" dirty="0"/>
+              <a:t>Can review questions. (Mark their vote)</a:t>
+            </a:r>
+          </a:p>
+          <a:p>
+            <a:r>
+              <a:rPr lang="en-US" dirty="0"/>
+              <a:t>Special access over questions.</a:t>
+            </a:r>
+          </a:p>
+          <a:p>
+            <a:r>
+              <a:rPr lang="en-US" dirty="0"/>
+              <a:t>Can make user’s answers as </a:t>
+            </a:r>
+            <a:r>
+              <a:rPr lang="en-US" b="1" dirty="0"/>
+              <a:t>FEATURED.</a:t>
+            </a:r>
+          </a:p>
+          <a:p>
+            <a:r>
+              <a:rPr lang="en-US" dirty="0"/>
+              <a:t>Can add/delete answers.</a:t>
+            </a:r>
+            <a:endParaRPr lang="en-IN" dirty="0"/>
+          </a:p>
+        </p:txBody>
+      </p:sp>
+    </p:spTree>
+    <p:extLst>
+      <p:ext uri="{BB962C8B-B14F-4D97-AF65-F5344CB8AC3E}">
+        <p14:creationId xmlns:p14="http://schemas.microsoft.com/office/powerpoint/2010/main" val="1897463448"/>
+      </p:ext>
+    </p:extLst>
+  </p:cSld>
+  <p:clrMapOvr>
+    <a:masterClrMapping/>
+  </p:clrMapOvr>
+</p:sld>
+</file>
+
+<file path=ppt/slides/slide9.xml><?xml version="1.0" encoding="utf-8"?>
+<p:sld xmlns:a="http://schemas.openxmlformats.org/drawingml/2006/main" xmlns:r="http://schemas.openxmlformats.org/officeDocument/2006/relationships" xmlns:p="http://schemas.openxmlformats.org/presentationml/2006/main">
+  <p:cSld>
+    <p:spTree>
+      <p:nvGrpSpPr>
+        <p:cNvPr id="1" name=""/>
+        <p:cNvGrpSpPr/>
+        <p:nvPr/>
+      </p:nvGrpSpPr>
+      <p:grpSpPr>
+        <a:xfrm>
+          <a:off x="0" y="0"/>
+          <a:ext cx="0" cy="0"/>
+          <a:chOff x="0" y="0"/>
+          <a:chExt cx="0" cy="0"/>
+        </a:xfrm>
+      </p:grpSpPr>
+      <p:sp>
+        <p:nvSpPr>
+          <p:cNvPr id="2" name="Title 1">
+            <a:extLst>
+              <a:ext uri="{FF2B5EF4-FFF2-40B4-BE49-F238E27FC236}">
+                <a16:creationId xmlns:a16="http://schemas.microsoft.com/office/drawing/2014/main" id="{340B7F4D-2C0E-4338-8FA2-265C2F004A7C}"/>
+              </a:ext>
+            </a:extLst>
+          </p:cNvPr>
+          <p:cNvSpPr>
+            <a:spLocks noGrp="1"/>
+          </p:cNvSpPr>
+          <p:nvPr>
+            <p:ph type="title"/>
+          </p:nvPr>
+        </p:nvSpPr>
+        <p:spPr/>
+        <p:txBody>
+          <a:bodyPr/>
+          <a:lstStyle/>
+          <a:p>
+            <a:r>
+              <a:rPr lang="en-US" dirty="0"/>
+              <a:t>End user</a:t>
+            </a:r>
+            <a:endParaRPr lang="en-IN" dirty="0"/>
+          </a:p>
+        </p:txBody>
+      </p:sp>
+      <p:sp>
+        <p:nvSpPr>
+          <p:cNvPr id="3" name="Content Placeholder 2">
+            <a:extLst>
+              <a:ext uri="{FF2B5EF4-FFF2-40B4-BE49-F238E27FC236}">
+                <a16:creationId xmlns:a16="http://schemas.microsoft.com/office/drawing/2014/main" id="{33B25887-F051-4194-8ACC-5AA783816D89}"/>
+              </a:ext>
+            </a:extLst>
+          </p:cNvPr>
+          <p:cNvSpPr>
+            <a:spLocks noGrp="1"/>
+          </p:cNvSpPr>
+          <p:nvPr>
+            <p:ph idx="1"/>
+          </p:nvPr>
+        </p:nvSpPr>
+        <p:spPr/>
+        <p:txBody>
+          <a:bodyPr/>
+          <a:lstStyle/>
+          <a:p>
+            <a:r>
+              <a:rPr lang="en-US" dirty="0"/>
+              <a:t>Can see questions and answers</a:t>
+            </a:r>
+          </a:p>
+          <a:p>
+            <a:r>
+              <a:rPr lang="en-US" dirty="0"/>
+              <a:t>Can add question/answers</a:t>
+            </a:r>
+          </a:p>
+          <a:p>
+            <a:r>
+              <a:rPr lang="en-US" dirty="0"/>
+              <a:t>Mark vote on answers.</a:t>
+            </a:r>
+          </a:p>
+          <a:p>
+            <a:endParaRPr lang="en-IN" dirty="0"/>
+          </a:p>
+        </p:txBody>
+      </p:sp>
+    </p:spTree>
+    <p:extLst>
+      <p:ext uri="{BB962C8B-B14F-4D97-AF65-F5344CB8AC3E}">
+        <p14:creationId xmlns:p14="http://schemas.microsoft.com/office/powerpoint/2010/main" val="261737033"/>
       </p:ext>
     </p:extLst>
   </p:cSld>
